--- a/docs/Presentation/SetupDevice/ReadDataFromWristband.pptx
+++ b/docs/Presentation/SetupDevice/ReadDataFromWristband.pptx
@@ -5,18 +5,10 @@
     <p:sldMasterId id="2147483648" r:id="rId1"/>
   </p:sldMasterIdLst>
   <p:sldIdLst>
-    <p:sldId id="257" r:id="rId2"/>
-    <p:sldId id="267" r:id="rId3"/>
-    <p:sldId id="268" r:id="rId4"/>
-    <p:sldId id="258" r:id="rId5"/>
-    <p:sldId id="259" r:id="rId6"/>
-    <p:sldId id="260" r:id="rId7"/>
-    <p:sldId id="261" r:id="rId8"/>
-    <p:sldId id="262" r:id="rId9"/>
-    <p:sldId id="263" r:id="rId10"/>
-    <p:sldId id="264" r:id="rId11"/>
-    <p:sldId id="265" r:id="rId12"/>
-    <p:sldId id="266" r:id="rId13"/>
+    <p:sldId id="274" r:id="rId2"/>
+    <p:sldId id="271" r:id="rId3"/>
+    <p:sldId id="272" r:id="rId4"/>
+    <p:sldId id="273" r:id="rId5"/>
   </p:sldIdLst>
   <p:sldSz cx="9144000" cy="6858000" type="screen4x3"/>
   <p:notesSz cx="6858000" cy="9144000"/>
@@ -300,7 +292,7 @@
             <a:fld id="{1D8BD707-D9CF-40AE-B4C6-C98DA3205C09}" type="datetimeFigureOut">
               <a:rPr lang="en-US" smtClean="0"/>
               <a:pPr/>
-              <a:t>11/1/2015</a:t>
+              <a:t>12/8/2015</a:t>
             </a:fld>
             <a:endParaRPr lang="en-US"/>
           </a:p>
@@ -467,7 +459,7 @@
             <a:fld id="{1D8BD707-D9CF-40AE-B4C6-C98DA3205C09}" type="datetimeFigureOut">
               <a:rPr lang="en-US" smtClean="0"/>
               <a:pPr/>
-              <a:t>11/1/2015</a:t>
+              <a:t>12/8/2015</a:t>
             </a:fld>
             <a:endParaRPr lang="en-US"/>
           </a:p>
@@ -644,7 +636,7 @@
             <a:fld id="{1D8BD707-D9CF-40AE-B4C6-C98DA3205C09}" type="datetimeFigureOut">
               <a:rPr lang="en-US" smtClean="0"/>
               <a:pPr/>
-              <a:t>11/1/2015</a:t>
+              <a:t>12/8/2015</a:t>
             </a:fld>
             <a:endParaRPr lang="en-US"/>
           </a:p>
@@ -811,7 +803,7 @@
             <a:fld id="{1D8BD707-D9CF-40AE-B4C6-C98DA3205C09}" type="datetimeFigureOut">
               <a:rPr lang="en-US" smtClean="0"/>
               <a:pPr/>
-              <a:t>11/1/2015</a:t>
+              <a:t>12/8/2015</a:t>
             </a:fld>
             <a:endParaRPr lang="en-US"/>
           </a:p>
@@ -1054,7 +1046,7 @@
             <a:fld id="{1D8BD707-D9CF-40AE-B4C6-C98DA3205C09}" type="datetimeFigureOut">
               <a:rPr lang="en-US" smtClean="0"/>
               <a:pPr/>
-              <a:t>11/1/2015</a:t>
+              <a:t>12/8/2015</a:t>
             </a:fld>
             <a:endParaRPr lang="en-US"/>
           </a:p>
@@ -1339,7 +1331,7 @@
             <a:fld id="{1D8BD707-D9CF-40AE-B4C6-C98DA3205C09}" type="datetimeFigureOut">
               <a:rPr lang="en-US" smtClean="0"/>
               <a:pPr/>
-              <a:t>11/1/2015</a:t>
+              <a:t>12/8/2015</a:t>
             </a:fld>
             <a:endParaRPr lang="en-US"/>
           </a:p>
@@ -1758,7 +1750,7 @@
             <a:fld id="{1D8BD707-D9CF-40AE-B4C6-C98DA3205C09}" type="datetimeFigureOut">
               <a:rPr lang="en-US" smtClean="0"/>
               <a:pPr/>
-              <a:t>11/1/2015</a:t>
+              <a:t>12/8/2015</a:t>
             </a:fld>
             <a:endParaRPr lang="en-US"/>
           </a:p>
@@ -1873,7 +1865,7 @@
             <a:fld id="{1D8BD707-D9CF-40AE-B4C6-C98DA3205C09}" type="datetimeFigureOut">
               <a:rPr lang="en-US" smtClean="0"/>
               <a:pPr/>
-              <a:t>11/1/2015</a:t>
+              <a:t>12/8/2015</a:t>
             </a:fld>
             <a:endParaRPr lang="en-US"/>
           </a:p>
@@ -1965,7 +1957,7 @@
             <a:fld id="{1D8BD707-D9CF-40AE-B4C6-C98DA3205C09}" type="datetimeFigureOut">
               <a:rPr lang="en-US" smtClean="0"/>
               <a:pPr/>
-              <a:t>11/1/2015</a:t>
+              <a:t>12/8/2015</a:t>
             </a:fld>
             <a:endParaRPr lang="en-US"/>
           </a:p>
@@ -2239,7 +2231,7 @@
             <a:fld id="{1D8BD707-D9CF-40AE-B4C6-C98DA3205C09}" type="datetimeFigureOut">
               <a:rPr lang="en-US" smtClean="0"/>
               <a:pPr/>
-              <a:t>11/1/2015</a:t>
+              <a:t>12/8/2015</a:t>
             </a:fld>
             <a:endParaRPr lang="en-US"/>
           </a:p>
@@ -2489,7 +2481,7 @@
             <a:fld id="{1D8BD707-D9CF-40AE-B4C6-C98DA3205C09}" type="datetimeFigureOut">
               <a:rPr lang="en-US" smtClean="0"/>
               <a:pPr/>
-              <a:t>11/1/2015</a:t>
+              <a:t>12/8/2015</a:t>
             </a:fld>
             <a:endParaRPr lang="en-US"/>
           </a:p>
@@ -2699,7 +2691,7 @@
             <a:fld id="{1D8BD707-D9CF-40AE-B4C6-C98DA3205C09}" type="datetimeFigureOut">
               <a:rPr lang="en-US" smtClean="0"/>
               <a:pPr/>
-              <a:t>11/1/2015</a:t>
+              <a:t>12/8/2015</a:t>
             </a:fld>
             <a:endParaRPr lang="en-US"/>
           </a:p>
@@ -3070,37 +3062,16 @@
           <a:chExt cx="0" cy="0"/>
         </a:xfrm>
       </p:grpSpPr>
-      <p:sp>
-        <p:nvSpPr>
-          <p:cNvPr id="2" name="Title 1"/>
-          <p:cNvSpPr>
-            <a:spLocks noGrp="1"/>
-          </p:cNvSpPr>
-          <p:nvPr>
-            <p:ph type="title"/>
-          </p:nvPr>
-        </p:nvSpPr>
-        <p:spPr/>
-        <p:txBody>
-          <a:bodyPr/>
-          <a:lstStyle/>
-          <a:p>
-            <a:endParaRPr lang="vi-VN" dirty="0"/>
-          </a:p>
-        </p:txBody>
-      </p:sp>
       <p:pic>
         <p:nvPicPr>
-          <p:cNvPr id="6" name="Content Placeholder 5"/>
+          <p:cNvPr id="6" name="Picture 5"/>
           <p:cNvPicPr>
-            <a:picLocks noGrp="1" noChangeAspect="1"/>
+            <a:picLocks noChangeAspect="1"/>
           </p:cNvPicPr>
-          <p:nvPr>
-            <p:ph idx="1"/>
-          </p:nvPr>
+          <p:nvPr/>
         </p:nvPicPr>
         <p:blipFill>
-          <a:blip r:embed="rId2" cstate="print">
+          <a:blip r:embed="rId2">
             <a:extLst>
               <a:ext uri="{28A0092B-C50C-407E-A947-70E740481C1C}">
                 <a14:useLocalDpi xmlns:a14="http://schemas.microsoft.com/office/drawing/2010/main" val="0"/>
@@ -3113,15 +3084,48 @@
         </p:blipFill>
         <p:spPr>
           <a:xfrm>
-            <a:off x="2309018" y="1600200"/>
-            <a:ext cx="4525963" cy="4525963"/>
-          </a:xfrm>
+            <a:off x="152400" y="1524000"/>
+            <a:ext cx="6076950" cy="4562475"/>
+          </a:xfrm>
+          <a:prstGeom prst="rect">
+            <a:avLst/>
+          </a:prstGeom>
+        </p:spPr>
+      </p:pic>
+      <p:pic>
+        <p:nvPicPr>
+          <p:cNvPr id="7" name="Picture 6"/>
+          <p:cNvPicPr>
+            <a:picLocks noChangeAspect="1"/>
+          </p:cNvPicPr>
+          <p:nvPr/>
+        </p:nvPicPr>
+        <p:blipFill>
+          <a:blip r:embed="rId3" cstate="print">
+            <a:extLst>
+              <a:ext uri="{28A0092B-C50C-407E-A947-70E740481C1C}">
+                <a14:useLocalDpi xmlns:a14="http://schemas.microsoft.com/office/drawing/2010/main" val="0"/>
+              </a:ext>
+            </a:extLst>
+          </a:blip>
+          <a:stretch>
+            <a:fillRect/>
+          </a:stretch>
+        </p:blipFill>
+        <p:spPr>
+          <a:xfrm>
+            <a:off x="6324600" y="2780251"/>
+            <a:ext cx="2590800" cy="2049971"/>
+          </a:xfrm>
+          <a:prstGeom prst="rect">
+            <a:avLst/>
+          </a:prstGeom>
         </p:spPr>
       </p:pic>
     </p:spTree>
     <p:extLst>
       <p:ext uri="{BB962C8B-B14F-4D97-AF65-F5344CB8AC3E}">
-        <p14:creationId xmlns:p14="http://schemas.microsoft.com/office/powerpoint/2010/main" val="2549980836"/>
+        <p14:creationId xmlns:p14="http://schemas.microsoft.com/office/powerpoint/2010/main" val="2706795220"/>
       </p:ext>
     </p:extLst>
   </p:cSld>
@@ -3135,240 +3139,6 @@
       </p:par>
     </p:tnLst>
   </p:timing>
-</p:sld>
-</file>
-
-<file path=ppt/slides/slide10.xml><?xml version="1.0" encoding="utf-8"?>
-<p:sld xmlns:a="http://schemas.openxmlformats.org/drawingml/2006/main" xmlns:r="http://schemas.openxmlformats.org/officeDocument/2006/relationships" xmlns:p="http://schemas.openxmlformats.org/presentationml/2006/main">
-  <p:cSld>
-    <p:spTree>
-      <p:nvGrpSpPr>
-        <p:cNvPr id="1" name=""/>
-        <p:cNvGrpSpPr/>
-        <p:nvPr/>
-      </p:nvGrpSpPr>
-      <p:grpSpPr>
-        <a:xfrm>
-          <a:off x="0" y="0"/>
-          <a:ext cx="0" cy="0"/>
-          <a:chOff x="0" y="0"/>
-          <a:chExt cx="0" cy="0"/>
-        </a:xfrm>
-      </p:grpSpPr>
-      <p:sp>
-        <p:nvSpPr>
-          <p:cNvPr id="2" name="Title 1"/>
-          <p:cNvSpPr>
-            <a:spLocks noGrp="1"/>
-          </p:cNvSpPr>
-          <p:nvPr>
-            <p:ph type="title"/>
-          </p:nvPr>
-        </p:nvSpPr>
-        <p:spPr/>
-        <p:txBody>
-          <a:bodyPr/>
-          <a:lstStyle/>
-          <a:p>
-            <a:endParaRPr lang="vi-VN"/>
-          </a:p>
-        </p:txBody>
-      </p:sp>
-      <p:pic>
-        <p:nvPicPr>
-          <p:cNvPr id="4" name="Content Placeholder 3"/>
-          <p:cNvPicPr>
-            <a:picLocks noGrp="1" noChangeAspect="1"/>
-          </p:cNvPicPr>
-          <p:nvPr>
-            <p:ph idx="1"/>
-          </p:nvPr>
-        </p:nvPicPr>
-        <p:blipFill>
-          <a:blip r:embed="rId2" cstate="print">
-            <a:extLst>
-              <a:ext uri="{28A0092B-C50C-407E-A947-70E740481C1C}">
-                <a14:useLocalDpi xmlns:a14="http://schemas.microsoft.com/office/drawing/2010/main" val="0"/>
-              </a:ext>
-            </a:extLst>
-          </a:blip>
-          <a:stretch>
-            <a:fillRect/>
-          </a:stretch>
-        </p:blipFill>
-        <p:spPr>
-          <a:xfrm>
-            <a:off x="2309018" y="1600200"/>
-            <a:ext cx="4525963" cy="4525963"/>
-          </a:xfrm>
-        </p:spPr>
-      </p:pic>
-    </p:spTree>
-    <p:extLst>
-      <p:ext uri="{BB962C8B-B14F-4D97-AF65-F5344CB8AC3E}">
-        <p14:creationId xmlns:p14="http://schemas.microsoft.com/office/powerpoint/2010/main" val="2495380031"/>
-      </p:ext>
-    </p:extLst>
-  </p:cSld>
-  <p:clrMapOvr>
-    <a:masterClrMapping/>
-  </p:clrMapOvr>
-</p:sld>
-</file>
-
-<file path=ppt/slides/slide11.xml><?xml version="1.0" encoding="utf-8"?>
-<p:sld xmlns:a="http://schemas.openxmlformats.org/drawingml/2006/main" xmlns:r="http://schemas.openxmlformats.org/officeDocument/2006/relationships" xmlns:p="http://schemas.openxmlformats.org/presentationml/2006/main">
-  <p:cSld>
-    <p:spTree>
-      <p:nvGrpSpPr>
-        <p:cNvPr id="1" name=""/>
-        <p:cNvGrpSpPr/>
-        <p:nvPr/>
-      </p:nvGrpSpPr>
-      <p:grpSpPr>
-        <a:xfrm>
-          <a:off x="0" y="0"/>
-          <a:ext cx="0" cy="0"/>
-          <a:chOff x="0" y="0"/>
-          <a:chExt cx="0" cy="0"/>
-        </a:xfrm>
-      </p:grpSpPr>
-      <p:sp>
-        <p:nvSpPr>
-          <p:cNvPr id="2" name="Title 1"/>
-          <p:cNvSpPr>
-            <a:spLocks noGrp="1"/>
-          </p:cNvSpPr>
-          <p:nvPr>
-            <p:ph type="title"/>
-          </p:nvPr>
-        </p:nvSpPr>
-        <p:spPr/>
-        <p:txBody>
-          <a:bodyPr/>
-          <a:lstStyle/>
-          <a:p>
-            <a:endParaRPr lang="vi-VN"/>
-          </a:p>
-        </p:txBody>
-      </p:sp>
-      <p:pic>
-        <p:nvPicPr>
-          <p:cNvPr id="4" name="Content Placeholder 3"/>
-          <p:cNvPicPr>
-            <a:picLocks noGrp="1" noChangeAspect="1"/>
-          </p:cNvPicPr>
-          <p:nvPr>
-            <p:ph idx="1"/>
-          </p:nvPr>
-        </p:nvPicPr>
-        <p:blipFill>
-          <a:blip r:embed="rId2" cstate="print">
-            <a:extLst>
-              <a:ext uri="{28A0092B-C50C-407E-A947-70E740481C1C}">
-                <a14:useLocalDpi xmlns:a14="http://schemas.microsoft.com/office/drawing/2010/main" val="0"/>
-              </a:ext>
-            </a:extLst>
-          </a:blip>
-          <a:stretch>
-            <a:fillRect/>
-          </a:stretch>
-        </p:blipFill>
-        <p:spPr>
-          <a:xfrm>
-            <a:off x="2309018" y="1600200"/>
-            <a:ext cx="4525963" cy="4525963"/>
-          </a:xfrm>
-        </p:spPr>
-      </p:pic>
-    </p:spTree>
-    <p:extLst>
-      <p:ext uri="{BB962C8B-B14F-4D97-AF65-F5344CB8AC3E}">
-        <p14:creationId xmlns:p14="http://schemas.microsoft.com/office/powerpoint/2010/main" val="1258174051"/>
-      </p:ext>
-    </p:extLst>
-  </p:cSld>
-  <p:clrMapOvr>
-    <a:masterClrMapping/>
-  </p:clrMapOvr>
-</p:sld>
-</file>
-
-<file path=ppt/slides/slide12.xml><?xml version="1.0" encoding="utf-8"?>
-<p:sld xmlns:a="http://schemas.openxmlformats.org/drawingml/2006/main" xmlns:r="http://schemas.openxmlformats.org/officeDocument/2006/relationships" xmlns:p="http://schemas.openxmlformats.org/presentationml/2006/main">
-  <p:cSld>
-    <p:spTree>
-      <p:nvGrpSpPr>
-        <p:cNvPr id="1" name=""/>
-        <p:cNvGrpSpPr/>
-        <p:nvPr/>
-      </p:nvGrpSpPr>
-      <p:grpSpPr>
-        <a:xfrm>
-          <a:off x="0" y="0"/>
-          <a:ext cx="0" cy="0"/>
-          <a:chOff x="0" y="0"/>
-          <a:chExt cx="0" cy="0"/>
-        </a:xfrm>
-      </p:grpSpPr>
-      <p:sp>
-        <p:nvSpPr>
-          <p:cNvPr id="2" name="Title 1"/>
-          <p:cNvSpPr>
-            <a:spLocks noGrp="1"/>
-          </p:cNvSpPr>
-          <p:nvPr>
-            <p:ph type="title"/>
-          </p:nvPr>
-        </p:nvSpPr>
-        <p:spPr/>
-        <p:txBody>
-          <a:bodyPr/>
-          <a:lstStyle/>
-          <a:p>
-            <a:endParaRPr lang="vi-VN"/>
-          </a:p>
-        </p:txBody>
-      </p:sp>
-      <p:pic>
-        <p:nvPicPr>
-          <p:cNvPr id="4" name="Content Placeholder 3"/>
-          <p:cNvPicPr>
-            <a:picLocks noGrp="1" noChangeAspect="1"/>
-          </p:cNvPicPr>
-          <p:nvPr>
-            <p:ph idx="1"/>
-          </p:nvPr>
-        </p:nvPicPr>
-        <p:blipFill>
-          <a:blip r:embed="rId2" cstate="print">
-            <a:extLst>
-              <a:ext uri="{28A0092B-C50C-407E-A947-70E740481C1C}">
-                <a14:useLocalDpi xmlns:a14="http://schemas.microsoft.com/office/drawing/2010/main" val="0"/>
-              </a:ext>
-            </a:extLst>
-          </a:blip>
-          <a:stretch>
-            <a:fillRect/>
-          </a:stretch>
-        </p:blipFill>
-        <p:spPr>
-          <a:xfrm>
-            <a:off x="2309018" y="1600200"/>
-            <a:ext cx="4525963" cy="4525963"/>
-          </a:xfrm>
-        </p:spPr>
-      </p:pic>
-    </p:spTree>
-    <p:extLst>
-      <p:ext uri="{BB962C8B-B14F-4D97-AF65-F5344CB8AC3E}">
-        <p14:creationId xmlns:p14="http://schemas.microsoft.com/office/powerpoint/2010/main" val="3029343832"/>
-      </p:ext>
-    </p:extLst>
-  </p:cSld>
-  <p:clrMapOvr>
-    <a:masterClrMapping/>
-  </p:clrMapOvr>
 </p:sld>
 </file>
 
@@ -3389,36 +3159,15 @@
           <a:chExt cx="0" cy="0"/>
         </a:xfrm>
       </p:grpSpPr>
-      <p:sp>
-        <p:nvSpPr>
-          <p:cNvPr id="2" name="Title 1"/>
-          <p:cNvSpPr>
-            <a:spLocks noGrp="1"/>
-          </p:cNvSpPr>
-          <p:nvPr>
-            <p:ph type="title"/>
-          </p:nvPr>
-        </p:nvSpPr>
-        <p:spPr/>
-        <p:txBody>
-          <a:bodyPr/>
-          <a:lstStyle/>
-          <a:p>
-            <a:endParaRPr lang="vi-VN" dirty="0"/>
-          </a:p>
-        </p:txBody>
-      </p:sp>
       <p:pic>
         <p:nvPicPr>
-          <p:cNvPr id="6" name="Content Placeholder 5"/>
+          <p:cNvPr id="4" name="Picture 2" descr="C:\Users\QUYHKSE61160\Desktop\Screenshot_2015-11-21-15-21-32.jpg"/>
           <p:cNvPicPr>
-            <a:picLocks noGrp="1" noChangeAspect="1"/>
+            <a:picLocks noChangeAspect="1" noChangeArrowheads="1"/>
           </p:cNvPicPr>
-          <p:nvPr>
-            <p:ph idx="1"/>
-          </p:nvPr>
+          <p:nvPr/>
         </p:nvPicPr>
-        <p:blipFill>
+        <p:blipFill rotWithShape="1">
           <a:blip r:embed="rId2" cstate="print">
             <a:extLst>
               <a:ext uri="{28A0092B-C50C-407E-A947-70E740481C1C}">
@@ -3426,21 +3175,536 @@
               </a:ext>
             </a:extLst>
           </a:blip>
-          <a:stretch>
-            <a:fillRect/>
-          </a:stretch>
+          <a:srcRect t="14088"/>
+          <a:stretch/>
         </p:blipFill>
+        <p:spPr bwMode="auto">
+          <a:xfrm>
+            <a:off x="5410200" y="1907709"/>
+            <a:ext cx="2590800" cy="3956981"/>
+          </a:xfrm>
+          <a:prstGeom prst="rect">
+            <a:avLst/>
+          </a:prstGeom>
+          <a:noFill/>
+          <a:extLst>
+            <a:ext uri="{909E8E84-426E-40DD-AFC4-6F175D3DCCD1}">
+              <a14:hiddenFill xmlns:a14="http://schemas.microsoft.com/office/drawing/2010/main">
+                <a:solidFill>
+                  <a:srgbClr val="FFFFFF"/>
+                </a:solidFill>
+              </a14:hiddenFill>
+            </a:ext>
+          </a:extLst>
+        </p:spPr>
+      </p:pic>
+      <p:grpSp>
+        <p:nvGrpSpPr>
+          <p:cNvPr id="5" name="Shape 688"/>
+          <p:cNvGrpSpPr/>
+          <p:nvPr/>
+        </p:nvGrpSpPr>
+        <p:grpSpPr>
+          <a:xfrm>
+            <a:off x="914400" y="895487"/>
+            <a:ext cx="1814399" cy="989424"/>
+            <a:chOff x="4336150" y="2394850"/>
+            <a:chExt cx="1814399" cy="989424"/>
+          </a:xfrm>
+        </p:grpSpPr>
+        <p:sp>
+          <p:nvSpPr>
+            <p:cNvPr id="6" name="Shape 689"/>
+            <p:cNvSpPr/>
+            <p:nvPr/>
+          </p:nvSpPr>
+          <p:spPr>
+            <a:xfrm>
+              <a:off x="4336150" y="2708975"/>
+              <a:ext cx="1814399" cy="675299"/>
+            </a:xfrm>
+            <a:prstGeom prst="rect">
+              <a:avLst/>
+            </a:prstGeom>
+            <a:solidFill>
+              <a:schemeClr val="lt2"/>
+            </a:solidFill>
+            <a:ln w="19050" cap="flat" cmpd="sng">
+              <a:solidFill>
+                <a:schemeClr val="dk2"/>
+              </a:solidFill>
+              <a:prstDash val="solid"/>
+              <a:round/>
+              <a:headEnd type="none" w="med" len="med"/>
+              <a:tailEnd type="none" w="med" len="med"/>
+            </a:ln>
+          </p:spPr>
+          <p:txBody>
+            <a:bodyPr lIns="91425" tIns="91425" rIns="91425" bIns="91425" anchor="t" anchorCtr="0">
+              <a:noAutofit/>
+            </a:bodyPr>
+            <a:lstStyle/>
+            <a:p>
+              <a:pPr lvl="0" rtl="0">
+                <a:spcBef>
+                  <a:spcPts val="0"/>
+                </a:spcBef>
+                <a:buNone/>
+              </a:pPr>
+              <a:r>
+                <a:rPr lang="en" dirty="0" smtClean="0"/>
+                <a:t>ID</a:t>
+              </a:r>
+              <a:endParaRPr lang="en" dirty="0"/>
+            </a:p>
+            <a:p>
+              <a:pPr lvl="0" rtl="0">
+                <a:spcBef>
+                  <a:spcPts val="0"/>
+                </a:spcBef>
+                <a:buNone/>
+              </a:pPr>
+              <a:r>
+                <a:rPr lang="en" dirty="0"/>
+                <a:t>...</a:t>
+              </a:r>
+            </a:p>
+          </p:txBody>
+        </p:sp>
+        <p:sp>
+          <p:nvSpPr>
+            <p:cNvPr id="7" name="Shape 690"/>
+            <p:cNvSpPr/>
+            <p:nvPr/>
+          </p:nvSpPr>
+          <p:spPr>
+            <a:xfrm>
+              <a:off x="4336150" y="2394850"/>
+              <a:ext cx="1814399" cy="362999"/>
+            </a:xfrm>
+            <a:prstGeom prst="rect">
+              <a:avLst/>
+            </a:prstGeom>
+            <a:solidFill>
+              <a:schemeClr val="lt2"/>
+            </a:solidFill>
+            <a:ln w="19050" cap="flat" cmpd="sng">
+              <a:solidFill>
+                <a:schemeClr val="dk2"/>
+              </a:solidFill>
+              <a:prstDash val="solid"/>
+              <a:round/>
+              <a:headEnd type="none" w="med" len="med"/>
+              <a:tailEnd type="none" w="med" len="med"/>
+            </a:ln>
+          </p:spPr>
+          <p:txBody>
+            <a:bodyPr lIns="91425" tIns="91425" rIns="91425" bIns="91425" anchor="ctr" anchorCtr="0">
+              <a:noAutofit/>
+            </a:bodyPr>
+            <a:lstStyle/>
+            <a:p>
+              <a:pPr lvl="0" rtl="0">
+                <a:spcBef>
+                  <a:spcPts val="0"/>
+                </a:spcBef>
+                <a:buNone/>
+              </a:pPr>
+              <a:r>
+                <a:rPr lang="en" b="1" dirty="0" smtClean="0"/>
+                <a:t>Device</a:t>
+              </a:r>
+              <a:endParaRPr lang="en" b="1" dirty="0"/>
+            </a:p>
+          </p:txBody>
+        </p:sp>
+      </p:grpSp>
+      <p:grpSp>
+        <p:nvGrpSpPr>
+          <p:cNvPr id="8" name="Shape 688"/>
+          <p:cNvGrpSpPr/>
+          <p:nvPr/>
+        </p:nvGrpSpPr>
+        <p:grpSpPr>
+          <a:xfrm>
+            <a:off x="762000" y="4380912"/>
+            <a:ext cx="2133600" cy="1943688"/>
+            <a:chOff x="4336150" y="2394850"/>
+            <a:chExt cx="1814399" cy="989424"/>
+          </a:xfrm>
+        </p:grpSpPr>
+        <p:sp>
+          <p:nvSpPr>
+            <p:cNvPr id="9" name="Shape 689"/>
+            <p:cNvSpPr/>
+            <p:nvPr/>
+          </p:nvSpPr>
+          <p:spPr>
+            <a:xfrm>
+              <a:off x="4336150" y="2708975"/>
+              <a:ext cx="1814399" cy="675299"/>
+            </a:xfrm>
+            <a:prstGeom prst="rect">
+              <a:avLst/>
+            </a:prstGeom>
+            <a:solidFill>
+              <a:schemeClr val="lt2"/>
+            </a:solidFill>
+            <a:ln w="19050" cap="flat" cmpd="sng">
+              <a:solidFill>
+                <a:schemeClr val="dk2"/>
+              </a:solidFill>
+              <a:prstDash val="solid"/>
+              <a:round/>
+              <a:headEnd type="none" w="med" len="med"/>
+              <a:tailEnd type="none" w="med" len="med"/>
+            </a:ln>
+          </p:spPr>
+          <p:txBody>
+            <a:bodyPr lIns="91425" tIns="91425" rIns="91425" bIns="91425" anchor="t" anchorCtr="0">
+              <a:noAutofit/>
+            </a:bodyPr>
+            <a:lstStyle/>
+            <a:p>
+              <a:pPr lvl="0" rtl="0">
+                <a:spcBef>
+                  <a:spcPts val="0"/>
+                </a:spcBef>
+                <a:buNone/>
+              </a:pPr>
+              <a:r>
+                <a:rPr lang="en" dirty="0" smtClean="0"/>
+                <a:t>ID</a:t>
+              </a:r>
+              <a:endParaRPr lang="en" dirty="0"/>
+            </a:p>
+            <a:p>
+              <a:pPr lvl="0" rtl="0">
+                <a:spcBef>
+                  <a:spcPts val="0"/>
+                </a:spcBef>
+                <a:buNone/>
+              </a:pPr>
+              <a:r>
+                <a:rPr lang="en" dirty="0" smtClean="0"/>
+                <a:t>PositionHaveValue</a:t>
+              </a:r>
+            </a:p>
+            <a:p>
+              <a:pPr lvl="0" rtl="0">
+                <a:spcBef>
+                  <a:spcPts val="0"/>
+                </a:spcBef>
+                <a:buNone/>
+              </a:pPr>
+              <a:r>
+                <a:rPr lang="en" dirty="0" smtClean="0"/>
+                <a:t>UUID</a:t>
+              </a:r>
+            </a:p>
+          </p:txBody>
+        </p:sp>
+        <p:sp>
+          <p:nvSpPr>
+            <p:cNvPr id="10" name="Shape 690"/>
+            <p:cNvSpPr/>
+            <p:nvPr/>
+          </p:nvSpPr>
+          <p:spPr>
+            <a:xfrm>
+              <a:off x="4336150" y="2394850"/>
+              <a:ext cx="1814399" cy="362999"/>
+            </a:xfrm>
+            <a:prstGeom prst="rect">
+              <a:avLst/>
+            </a:prstGeom>
+            <a:solidFill>
+              <a:schemeClr val="lt2"/>
+            </a:solidFill>
+            <a:ln w="19050" cap="flat" cmpd="sng">
+              <a:solidFill>
+                <a:schemeClr val="dk2"/>
+              </a:solidFill>
+              <a:prstDash val="solid"/>
+              <a:round/>
+              <a:headEnd type="none" w="med" len="med"/>
+              <a:tailEnd type="none" w="med" len="med"/>
+            </a:ln>
+          </p:spPr>
+          <p:txBody>
+            <a:bodyPr lIns="91425" tIns="91425" rIns="91425" bIns="91425" anchor="ctr" anchorCtr="0">
+              <a:noAutofit/>
+            </a:bodyPr>
+            <a:lstStyle/>
+            <a:p>
+              <a:pPr lvl="0" rtl="0">
+                <a:spcBef>
+                  <a:spcPts val="0"/>
+                </a:spcBef>
+                <a:buNone/>
+              </a:pPr>
+              <a:r>
+                <a:rPr lang="en" b="1" dirty="0" smtClean="0"/>
+                <a:t>ParamMeasurement</a:t>
+              </a:r>
+              <a:endParaRPr lang="en" b="1" dirty="0"/>
+            </a:p>
+          </p:txBody>
+        </p:sp>
+      </p:grpSp>
+      <p:pic>
+        <p:nvPicPr>
+          <p:cNvPr id="11" name="Picture 3" descr="C:\Users\QUYHKSE61160\Desktop\Screenshot_2015-11-22-11-32-43.jpg"/>
+          <p:cNvPicPr>
+            <a:picLocks noChangeAspect="1" noChangeArrowheads="1"/>
+          </p:cNvPicPr>
+          <p:nvPr/>
+        </p:nvPicPr>
+        <p:blipFill rotWithShape="1">
+          <a:blip r:embed="rId3" cstate="print">
+            <a:extLst>
+              <a:ext uri="{28A0092B-C50C-407E-A947-70E740481C1C}">
+                <a14:useLocalDpi xmlns:a14="http://schemas.microsoft.com/office/drawing/2010/main" val="0"/>
+              </a:ext>
+            </a:extLst>
+          </a:blip>
+          <a:srcRect b="86779"/>
+          <a:stretch/>
+        </p:blipFill>
+        <p:spPr bwMode="auto">
+          <a:xfrm>
+            <a:off x="5410200" y="1297494"/>
+            <a:ext cx="2590800" cy="632472"/>
+          </a:xfrm>
+          <a:prstGeom prst="rect">
+            <a:avLst/>
+          </a:prstGeom>
+          <a:noFill/>
+          <a:extLst>
+            <a:ext uri="{909E8E84-426E-40DD-AFC4-6F175D3DCCD1}">
+              <a14:hiddenFill xmlns:a14="http://schemas.microsoft.com/office/drawing/2010/main">
+                <a:solidFill>
+                  <a:srgbClr val="FFFFFF"/>
+                </a:solidFill>
+              </a14:hiddenFill>
+            </a:ext>
+          </a:extLst>
+        </p:spPr>
+      </p:pic>
+      <p:sp>
+        <p:nvSpPr>
+          <p:cNvPr id="14" name="TextBox 13"/>
+          <p:cNvSpPr txBox="1"/>
+          <p:nvPr/>
+        </p:nvSpPr>
         <p:spPr>
           <a:xfrm>
-            <a:off x="2309018" y="1600200"/>
-            <a:ext cx="4525963" cy="4525963"/>
-          </a:xfrm>
+            <a:off x="1295400" y="1929966"/>
+            <a:ext cx="301686" cy="369332"/>
+          </a:xfrm>
+          <a:prstGeom prst="rect">
+            <a:avLst/>
+          </a:prstGeom>
+          <a:noFill/>
         </p:spPr>
-      </p:pic>
+        <p:txBody>
+          <a:bodyPr wrap="none" rtlCol="0">
+            <a:spAutoFit/>
+          </a:bodyPr>
+          <a:lstStyle/>
+          <a:p>
+            <a:r>
+              <a:rPr lang="en-US" dirty="0" smtClean="0">
+                <a:solidFill>
+                  <a:srgbClr val="FF0000"/>
+                </a:solidFill>
+              </a:rPr>
+              <a:t>1</a:t>
+            </a:r>
+            <a:endParaRPr lang="vi-VN" dirty="0">
+              <a:solidFill>
+                <a:srgbClr val="FF0000"/>
+              </a:solidFill>
+            </a:endParaRPr>
+          </a:p>
+        </p:txBody>
+      </p:sp>
+      <p:sp>
+        <p:nvSpPr>
+          <p:cNvPr id="15" name="TextBox 14"/>
+          <p:cNvSpPr txBox="1"/>
+          <p:nvPr/>
+        </p:nvSpPr>
+        <p:spPr>
+          <a:xfrm>
+            <a:off x="1091444" y="3898709"/>
+            <a:ext cx="532518" cy="369332"/>
+          </a:xfrm>
+          <a:prstGeom prst="rect">
+            <a:avLst/>
+          </a:prstGeom>
+          <a:noFill/>
+        </p:spPr>
+        <p:txBody>
+          <a:bodyPr wrap="none" rtlCol="0">
+            <a:spAutoFit/>
+          </a:bodyPr>
+          <a:lstStyle/>
+          <a:p>
+            <a:r>
+              <a:rPr lang="en-US" dirty="0" smtClean="0">
+                <a:solidFill>
+                  <a:srgbClr val="FF0000"/>
+                </a:solidFill>
+              </a:rPr>
+              <a:t>1..*</a:t>
+            </a:r>
+            <a:endParaRPr lang="vi-VN" dirty="0">
+              <a:solidFill>
+                <a:srgbClr val="FF0000"/>
+              </a:solidFill>
+            </a:endParaRPr>
+          </a:p>
+        </p:txBody>
+      </p:sp>
+      <p:cxnSp>
+        <p:nvCxnSpPr>
+          <p:cNvPr id="17" name="Straight Connector 16"/>
+          <p:cNvCxnSpPr>
+            <a:stCxn id="10" idx="0"/>
+            <a:endCxn id="6" idx="2"/>
+          </p:cNvCxnSpPr>
+          <p:nvPr/>
+        </p:nvCxnSpPr>
+        <p:spPr>
+          <a:xfrm flipH="1" flipV="1">
+            <a:off x="1821600" y="1884911"/>
+            <a:ext cx="7200" cy="2496001"/>
+          </a:xfrm>
+          <a:prstGeom prst="line">
+            <a:avLst/>
+          </a:prstGeom>
+        </p:spPr>
+        <p:style>
+          <a:lnRef idx="3">
+            <a:schemeClr val="accent2"/>
+          </a:lnRef>
+          <a:fillRef idx="0">
+            <a:schemeClr val="accent2"/>
+          </a:fillRef>
+          <a:effectRef idx="2">
+            <a:schemeClr val="accent2"/>
+          </a:effectRef>
+          <a:fontRef idx="minor">
+            <a:schemeClr val="tx1"/>
+          </a:fontRef>
+        </p:style>
+      </p:cxnSp>
+      <p:cxnSp>
+        <p:nvCxnSpPr>
+          <p:cNvPr id="19" name="Straight Arrow Connector 18"/>
+          <p:cNvCxnSpPr/>
+          <p:nvPr/>
+        </p:nvCxnSpPr>
+        <p:spPr>
+          <a:xfrm flipV="1">
+            <a:off x="2728799" y="4380912"/>
+            <a:ext cx="2986201" cy="1257888"/>
+          </a:xfrm>
+          <a:prstGeom prst="straightConnector1">
+            <a:avLst/>
+          </a:prstGeom>
+          <a:ln>
+            <a:tailEnd type="arrow"/>
+          </a:ln>
+        </p:spPr>
+        <p:style>
+          <a:lnRef idx="3">
+            <a:schemeClr val="accent5"/>
+          </a:lnRef>
+          <a:fillRef idx="0">
+            <a:schemeClr val="accent5"/>
+          </a:fillRef>
+          <a:effectRef idx="2">
+            <a:schemeClr val="accent5"/>
+          </a:effectRef>
+          <a:fontRef idx="minor">
+            <a:schemeClr val="tx1"/>
+          </a:fontRef>
+        </p:style>
+      </p:cxnSp>
+      <p:cxnSp>
+        <p:nvCxnSpPr>
+          <p:cNvPr id="22" name="Straight Arrow Connector 21"/>
+          <p:cNvCxnSpPr/>
+          <p:nvPr/>
+        </p:nvCxnSpPr>
+        <p:spPr>
+          <a:xfrm flipV="1">
+            <a:off x="2728799" y="2438400"/>
+            <a:ext cx="3672001" cy="2919938"/>
+          </a:xfrm>
+          <a:prstGeom prst="straightConnector1">
+            <a:avLst/>
+          </a:prstGeom>
+          <a:ln>
+            <a:tailEnd type="arrow"/>
+          </a:ln>
+        </p:spPr>
+        <p:style>
+          <a:lnRef idx="3">
+            <a:schemeClr val="accent2"/>
+          </a:lnRef>
+          <a:fillRef idx="0">
+            <a:schemeClr val="accent2"/>
+          </a:fillRef>
+          <a:effectRef idx="2">
+            <a:schemeClr val="accent2"/>
+          </a:effectRef>
+          <a:fontRef idx="minor">
+            <a:schemeClr val="tx1"/>
+          </a:fontRef>
+        </p:style>
+      </p:cxnSp>
+      <p:cxnSp>
+        <p:nvCxnSpPr>
+          <p:cNvPr id="24" name="Straight Arrow Connector 23"/>
+          <p:cNvCxnSpPr>
+            <a:endCxn id="11" idx="1"/>
+          </p:cNvCxnSpPr>
+          <p:nvPr/>
+        </p:nvCxnSpPr>
+        <p:spPr>
+          <a:xfrm>
+            <a:off x="2209800" y="1076986"/>
+            <a:ext cx="3200400" cy="536744"/>
+          </a:xfrm>
+          <a:prstGeom prst="straightConnector1">
+            <a:avLst/>
+          </a:prstGeom>
+          <a:ln>
+            <a:tailEnd type="arrow"/>
+          </a:ln>
+        </p:spPr>
+        <p:style>
+          <a:lnRef idx="3">
+            <a:schemeClr val="accent4"/>
+          </a:lnRef>
+          <a:fillRef idx="0">
+            <a:schemeClr val="accent4"/>
+          </a:fillRef>
+          <a:effectRef idx="2">
+            <a:schemeClr val="accent4"/>
+          </a:effectRef>
+          <a:fontRef idx="minor">
+            <a:schemeClr val="tx1"/>
+          </a:fontRef>
+        </p:style>
+      </p:cxnSp>
     </p:spTree>
     <p:extLst>
       <p:ext uri="{BB962C8B-B14F-4D97-AF65-F5344CB8AC3E}">
-        <p14:creationId xmlns:p14="http://schemas.microsoft.com/office/powerpoint/2010/main" val="414130330"/>
+        <p14:creationId xmlns:p14="http://schemas.microsoft.com/office/powerpoint/2010/main" val="1184013337"/>
       </p:ext>
     </p:extLst>
   </p:cSld>
@@ -3474,36 +3738,535 @@
           <a:chExt cx="0" cy="0"/>
         </a:xfrm>
       </p:grpSpPr>
-      <p:sp>
-        <p:nvSpPr>
-          <p:cNvPr id="2" name="Title 1"/>
-          <p:cNvSpPr>
-            <a:spLocks noGrp="1"/>
-          </p:cNvSpPr>
-          <p:nvPr>
-            <p:ph type="title"/>
-          </p:nvPr>
-        </p:nvSpPr>
-        <p:spPr/>
-        <p:txBody>
-          <a:bodyPr/>
+      <p:grpSp>
+        <p:nvGrpSpPr>
+          <p:cNvPr id="4" name="Shape 688"/>
+          <p:cNvGrpSpPr/>
+          <p:nvPr/>
+        </p:nvGrpSpPr>
+        <p:grpSpPr>
+          <a:xfrm>
+            <a:off x="586952" y="5486400"/>
+            <a:ext cx="2483700" cy="908899"/>
+            <a:chOff x="4336150" y="2394850"/>
+            <a:chExt cx="1814399" cy="1331686"/>
+          </a:xfrm>
+        </p:grpSpPr>
+        <p:sp>
+          <p:nvSpPr>
+            <p:cNvPr id="5" name="Shape 689"/>
+            <p:cNvSpPr/>
+            <p:nvPr/>
+          </p:nvSpPr>
+          <p:spPr>
+            <a:xfrm>
+              <a:off x="4336150" y="2708975"/>
+              <a:ext cx="1814399" cy="1017561"/>
+            </a:xfrm>
+            <a:prstGeom prst="rect">
+              <a:avLst/>
+            </a:prstGeom>
+            <a:solidFill>
+              <a:schemeClr val="lt2"/>
+            </a:solidFill>
+            <a:ln w="19050" cap="flat" cmpd="sng">
+              <a:solidFill>
+                <a:schemeClr val="dk2"/>
+              </a:solidFill>
+              <a:prstDash val="solid"/>
+              <a:round/>
+              <a:headEnd type="none" w="med" len="med"/>
+              <a:tailEnd type="none" w="med" len="med"/>
+            </a:ln>
+          </p:spPr>
+          <p:txBody>
+            <a:bodyPr lIns="91425" tIns="91425" rIns="91425" bIns="91425" anchor="t" anchorCtr="0">
+              <a:noAutofit/>
+            </a:bodyPr>
+            <a:lstStyle/>
+            <a:p>
+              <a:pPr lvl="0" rtl="0">
+                <a:spcBef>
+                  <a:spcPts val="0"/>
+                </a:spcBef>
+                <a:buNone/>
+              </a:pPr>
+              <a:r>
+                <a:rPr lang="vi-VN" dirty="0" smtClean="0"/>
+                <a:t>Type </a:t>
+              </a:r>
+              <a:r>
+                <a:rPr lang="vi-VN" dirty="0" smtClean="0">
+                  <a:solidFill>
+                    <a:srgbClr val="00B050"/>
+                  </a:solidFill>
+                </a:rPr>
+                <a:t>2</a:t>
+              </a:r>
+              <a:endParaRPr lang="en" dirty="0">
+                <a:solidFill>
+                  <a:srgbClr val="00B050"/>
+                </a:solidFill>
+              </a:endParaRPr>
+            </a:p>
+            <a:p>
+              <a:pPr lvl="0" rtl="0">
+                <a:spcBef>
+                  <a:spcPts val="0"/>
+                </a:spcBef>
+                <a:buNone/>
+              </a:pPr>
+              <a:r>
+                <a:rPr lang="en" dirty="0"/>
+                <a:t>...</a:t>
+              </a:r>
+            </a:p>
+          </p:txBody>
+        </p:sp>
+        <p:sp>
+          <p:nvSpPr>
+            <p:cNvPr id="6" name="Shape 690"/>
+            <p:cNvSpPr/>
+            <p:nvPr/>
+          </p:nvSpPr>
+          <p:spPr>
+            <a:xfrm>
+              <a:off x="4336150" y="2394850"/>
+              <a:ext cx="1814399" cy="362999"/>
+            </a:xfrm>
+            <a:prstGeom prst="rect">
+              <a:avLst/>
+            </a:prstGeom>
+            <a:solidFill>
+              <a:schemeClr val="lt2"/>
+            </a:solidFill>
+            <a:ln w="19050" cap="flat" cmpd="sng">
+              <a:solidFill>
+                <a:schemeClr val="dk2"/>
+              </a:solidFill>
+              <a:prstDash val="solid"/>
+              <a:round/>
+              <a:headEnd type="none" w="med" len="med"/>
+              <a:tailEnd type="none" w="med" len="med"/>
+            </a:ln>
+          </p:spPr>
+          <p:txBody>
+            <a:bodyPr lIns="91425" tIns="91425" rIns="91425" bIns="91425" anchor="ctr" anchorCtr="0">
+              <a:noAutofit/>
+            </a:bodyPr>
+            <a:lstStyle/>
+            <a:p>
+              <a:pPr lvl="0" rtl="0">
+                <a:spcBef>
+                  <a:spcPts val="0"/>
+                </a:spcBef>
+                <a:buNone/>
+              </a:pPr>
+              <a:r>
+                <a:rPr lang="en" b="1" dirty="0" smtClean="0"/>
+                <a:t>MedicalRecordData</a:t>
+              </a:r>
+              <a:endParaRPr lang="en" b="1" dirty="0"/>
+            </a:p>
+          </p:txBody>
+        </p:sp>
+      </p:grpSp>
+      <p:grpSp>
+        <p:nvGrpSpPr>
+          <p:cNvPr id="7" name="Shape 688"/>
+          <p:cNvGrpSpPr/>
+          <p:nvPr/>
+        </p:nvGrpSpPr>
+        <p:grpSpPr>
+          <a:xfrm>
+            <a:off x="762003" y="3669630"/>
+            <a:ext cx="2133600" cy="971279"/>
+            <a:chOff x="4342274" y="2394850"/>
+            <a:chExt cx="1814399" cy="989424"/>
+          </a:xfrm>
+        </p:grpSpPr>
+        <p:sp>
+          <p:nvSpPr>
+            <p:cNvPr id="8" name="Shape 689"/>
+            <p:cNvSpPr/>
+            <p:nvPr/>
+          </p:nvSpPr>
+          <p:spPr>
+            <a:xfrm>
+              <a:off x="4342274" y="2708975"/>
+              <a:ext cx="1814399" cy="675299"/>
+            </a:xfrm>
+            <a:prstGeom prst="rect">
+              <a:avLst/>
+            </a:prstGeom>
+            <a:solidFill>
+              <a:schemeClr val="lt2"/>
+            </a:solidFill>
+            <a:ln w="19050" cap="flat" cmpd="sng">
+              <a:solidFill>
+                <a:schemeClr val="dk2"/>
+              </a:solidFill>
+              <a:prstDash val="solid"/>
+              <a:round/>
+              <a:headEnd type="none" w="med" len="med"/>
+              <a:tailEnd type="none" w="med" len="med"/>
+            </a:ln>
+          </p:spPr>
+          <p:txBody>
+            <a:bodyPr lIns="91425" tIns="91425" rIns="91425" bIns="91425" anchor="t" anchorCtr="0">
+              <a:noAutofit/>
+            </a:bodyPr>
+            <a:lstStyle/>
+            <a:p>
+              <a:pPr lvl="0" rtl="0">
+                <a:spcBef>
+                  <a:spcPts val="0"/>
+                </a:spcBef>
+                <a:buNone/>
+              </a:pPr>
+              <a:r>
+                <a:rPr lang="vi-VN" dirty="0" smtClean="0"/>
+                <a:t>Value</a:t>
+              </a:r>
+              <a:endParaRPr lang="vi-VN" dirty="0"/>
+            </a:p>
+          </p:txBody>
+        </p:sp>
+        <p:sp>
+          <p:nvSpPr>
+            <p:cNvPr id="9" name="Shape 690"/>
+            <p:cNvSpPr/>
+            <p:nvPr/>
+          </p:nvSpPr>
+          <p:spPr>
+            <a:xfrm>
+              <a:off x="4342274" y="2394850"/>
+              <a:ext cx="1814399" cy="362999"/>
+            </a:xfrm>
+            <a:prstGeom prst="rect">
+              <a:avLst/>
+            </a:prstGeom>
+            <a:solidFill>
+              <a:schemeClr val="lt2"/>
+            </a:solidFill>
+            <a:ln w="19050" cap="flat" cmpd="sng">
+              <a:solidFill>
+                <a:schemeClr val="dk2"/>
+              </a:solidFill>
+              <a:prstDash val="solid"/>
+              <a:round/>
+              <a:headEnd type="none" w="med" len="med"/>
+              <a:tailEnd type="none" w="med" len="med"/>
+            </a:ln>
+          </p:spPr>
+          <p:txBody>
+            <a:bodyPr lIns="91425" tIns="91425" rIns="91425" bIns="91425" anchor="ctr" anchorCtr="0">
+              <a:noAutofit/>
+            </a:bodyPr>
+            <a:lstStyle/>
+            <a:p>
+              <a:pPr lvl="0" rtl="0">
+                <a:spcBef>
+                  <a:spcPts val="0"/>
+                </a:spcBef>
+                <a:buNone/>
+              </a:pPr>
+              <a:r>
+                <a:rPr lang="en" b="1" dirty="0" smtClean="0"/>
+                <a:t>PropertyRecord</a:t>
+              </a:r>
+              <a:endParaRPr lang="en" b="1" dirty="0"/>
+            </a:p>
+          </p:txBody>
+        </p:sp>
+      </p:grpSp>
+      <p:sp>
+        <p:nvSpPr>
+          <p:cNvPr id="10" name="TextBox 9"/>
+          <p:cNvSpPr txBox="1"/>
+          <p:nvPr/>
+        </p:nvSpPr>
+        <p:spPr>
+          <a:xfrm>
+            <a:off x="1377468" y="5117068"/>
+            <a:ext cx="301686" cy="369332"/>
+          </a:xfrm>
+          <a:prstGeom prst="rect">
+            <a:avLst/>
+          </a:prstGeom>
+          <a:noFill/>
+        </p:spPr>
+        <p:txBody>
+          <a:bodyPr wrap="none" rtlCol="0">
+            <a:spAutoFit/>
+          </a:bodyPr>
           <a:lstStyle/>
           <a:p>
-            <a:endParaRPr lang="vi-VN" dirty="0"/>
-          </a:p>
-        </p:txBody>
-      </p:sp>
+            <a:r>
+              <a:rPr lang="en-US" dirty="0" smtClean="0">
+                <a:solidFill>
+                  <a:srgbClr val="FF0000"/>
+                </a:solidFill>
+              </a:rPr>
+              <a:t>1</a:t>
+            </a:r>
+            <a:endParaRPr lang="vi-VN" dirty="0">
+              <a:solidFill>
+                <a:srgbClr val="FF0000"/>
+              </a:solidFill>
+            </a:endParaRPr>
+          </a:p>
+        </p:txBody>
+      </p:sp>
+      <p:sp>
+        <p:nvSpPr>
+          <p:cNvPr id="11" name="TextBox 10"/>
+          <p:cNvSpPr txBox="1"/>
+          <p:nvPr/>
+        </p:nvSpPr>
+        <p:spPr>
+          <a:xfrm>
+            <a:off x="1262052" y="4586594"/>
+            <a:ext cx="532518" cy="369332"/>
+          </a:xfrm>
+          <a:prstGeom prst="rect">
+            <a:avLst/>
+          </a:prstGeom>
+          <a:noFill/>
+        </p:spPr>
+        <p:txBody>
+          <a:bodyPr wrap="none" rtlCol="0">
+            <a:spAutoFit/>
+          </a:bodyPr>
+          <a:lstStyle/>
+          <a:p>
+            <a:r>
+              <a:rPr lang="en-US" dirty="0" smtClean="0">
+                <a:solidFill>
+                  <a:srgbClr val="FF0000"/>
+                </a:solidFill>
+              </a:rPr>
+              <a:t>1..*</a:t>
+            </a:r>
+            <a:endParaRPr lang="vi-VN" dirty="0">
+              <a:solidFill>
+                <a:srgbClr val="FF0000"/>
+              </a:solidFill>
+            </a:endParaRPr>
+          </a:p>
+        </p:txBody>
+      </p:sp>
+      <p:cxnSp>
+        <p:nvCxnSpPr>
+          <p:cNvPr id="12" name="Straight Connector 11"/>
+          <p:cNvCxnSpPr>
+            <a:stCxn id="8" idx="2"/>
+            <a:endCxn id="6" idx="0"/>
+          </p:cNvCxnSpPr>
+          <p:nvPr/>
+        </p:nvCxnSpPr>
+        <p:spPr>
+          <a:xfrm flipH="1">
+            <a:off x="1828802" y="4640909"/>
+            <a:ext cx="1" cy="845491"/>
+          </a:xfrm>
+          <a:prstGeom prst="line">
+            <a:avLst/>
+          </a:prstGeom>
+        </p:spPr>
+        <p:style>
+          <a:lnRef idx="3">
+            <a:schemeClr val="accent2"/>
+          </a:lnRef>
+          <a:fillRef idx="0">
+            <a:schemeClr val="accent2"/>
+          </a:fillRef>
+          <a:effectRef idx="2">
+            <a:schemeClr val="accent2"/>
+          </a:effectRef>
+          <a:fontRef idx="minor">
+            <a:schemeClr val="tx1"/>
+          </a:fontRef>
+        </p:style>
+      </p:cxnSp>
+      <p:grpSp>
+        <p:nvGrpSpPr>
+          <p:cNvPr id="13" name="Shape 688"/>
+          <p:cNvGrpSpPr/>
+          <p:nvPr/>
+        </p:nvGrpSpPr>
+        <p:grpSpPr>
+          <a:xfrm>
+            <a:off x="762002" y="874700"/>
+            <a:ext cx="2133601" cy="1716099"/>
+            <a:chOff x="4336150" y="2394850"/>
+            <a:chExt cx="1814400" cy="989424"/>
+          </a:xfrm>
+        </p:grpSpPr>
+        <p:sp>
+          <p:nvSpPr>
+            <p:cNvPr id="14" name="Shape 689"/>
+            <p:cNvSpPr/>
+            <p:nvPr/>
+          </p:nvSpPr>
+          <p:spPr>
+            <a:xfrm>
+              <a:off x="4336150" y="2708975"/>
+              <a:ext cx="1814399" cy="675299"/>
+            </a:xfrm>
+            <a:prstGeom prst="rect">
+              <a:avLst/>
+            </a:prstGeom>
+            <a:solidFill>
+              <a:schemeClr val="lt2"/>
+            </a:solidFill>
+            <a:ln w="19050" cap="flat" cmpd="sng">
+              <a:solidFill>
+                <a:schemeClr val="dk2"/>
+              </a:solidFill>
+              <a:prstDash val="solid"/>
+              <a:round/>
+              <a:headEnd type="none" w="med" len="med"/>
+              <a:tailEnd type="none" w="med" len="med"/>
+            </a:ln>
+          </p:spPr>
+          <p:txBody>
+            <a:bodyPr lIns="91425" tIns="91425" rIns="91425" bIns="91425" anchor="t" anchorCtr="0">
+              <a:noAutofit/>
+            </a:bodyPr>
+            <a:lstStyle/>
+            <a:p>
+              <a:pPr lvl="0" rtl="0">
+                <a:spcBef>
+                  <a:spcPts val="0"/>
+                </a:spcBef>
+                <a:buNone/>
+              </a:pPr>
+              <a:r>
+                <a:rPr lang="vi-VN" dirty="0" smtClean="0"/>
+                <a:t>Type </a:t>
+              </a:r>
+              <a:r>
+                <a:rPr lang="vi-VN" dirty="0" smtClean="0">
+                  <a:solidFill>
+                    <a:srgbClr val="00B0F0"/>
+                  </a:solidFill>
+                </a:rPr>
+                <a:t>0</a:t>
+              </a:r>
+              <a:r>
+                <a:rPr lang="vi-VN" dirty="0" smtClean="0"/>
+                <a:t> / </a:t>
+              </a:r>
+              <a:r>
+                <a:rPr lang="vi-VN" dirty="0" smtClean="0">
+                  <a:solidFill>
+                    <a:srgbClr val="00B050"/>
+                  </a:solidFill>
+                </a:rPr>
+                <a:t>1</a:t>
+              </a:r>
+              <a:endParaRPr lang="vi-VN" dirty="0" smtClean="0">
+                <a:solidFill>
+                  <a:srgbClr val="00B050"/>
+                </a:solidFill>
+              </a:endParaRPr>
+            </a:p>
+            <a:p>
+              <a:pPr lvl="0" rtl="0">
+                <a:spcBef>
+                  <a:spcPts val="0"/>
+                </a:spcBef>
+                <a:buNone/>
+              </a:pPr>
+              <a:r>
+                <a:rPr lang="vi-VN" dirty="0" smtClean="0"/>
+                <a:t>UUID</a:t>
+              </a:r>
+            </a:p>
+            <a:p>
+              <a:pPr lvl="0" rtl="0">
+                <a:spcBef>
+                  <a:spcPts val="0"/>
+                </a:spcBef>
+                <a:buNone/>
+              </a:pPr>
+              <a:r>
+                <a:rPr lang="vi-VN" dirty="0" smtClean="0"/>
+                <a:t>PositionHaveValue</a:t>
+              </a:r>
+            </a:p>
+            <a:p>
+              <a:pPr lvl="0" rtl="0">
+                <a:spcBef>
+                  <a:spcPts val="0"/>
+                </a:spcBef>
+                <a:buNone/>
+              </a:pPr>
+              <a:r>
+                <a:rPr lang="vi-VN" dirty="0" smtClean="0"/>
+                <a:t>PositionOfFormula</a:t>
+              </a:r>
+            </a:p>
+          </p:txBody>
+        </p:sp>
+        <p:sp>
+          <p:nvSpPr>
+            <p:cNvPr id="15" name="Shape 690"/>
+            <p:cNvSpPr/>
+            <p:nvPr/>
+          </p:nvSpPr>
+          <p:spPr>
+            <a:xfrm>
+              <a:off x="4336151" y="2394850"/>
+              <a:ext cx="1814399" cy="362999"/>
+            </a:xfrm>
+            <a:prstGeom prst="rect">
+              <a:avLst/>
+            </a:prstGeom>
+            <a:solidFill>
+              <a:schemeClr val="lt2"/>
+            </a:solidFill>
+            <a:ln w="19050" cap="flat" cmpd="sng">
+              <a:solidFill>
+                <a:schemeClr val="dk2"/>
+              </a:solidFill>
+              <a:prstDash val="solid"/>
+              <a:round/>
+              <a:headEnd type="none" w="med" len="med"/>
+              <a:tailEnd type="none" w="med" len="med"/>
+            </a:ln>
+          </p:spPr>
+          <p:txBody>
+            <a:bodyPr lIns="91425" tIns="91425" rIns="91425" bIns="91425" anchor="ctr" anchorCtr="0">
+              <a:noAutofit/>
+            </a:bodyPr>
+            <a:lstStyle/>
+            <a:p>
+              <a:pPr lvl="0" rtl="0">
+                <a:spcBef>
+                  <a:spcPts val="0"/>
+                </a:spcBef>
+                <a:buNone/>
+              </a:pPr>
+              <a:r>
+                <a:rPr lang="en" b="1" dirty="0" smtClean="0"/>
+                <a:t>ParamMeasurement</a:t>
+              </a:r>
+              <a:endParaRPr lang="en" b="1" dirty="0"/>
+            </a:p>
+          </p:txBody>
+        </p:sp>
+      </p:grpSp>
       <p:pic>
         <p:nvPicPr>
-          <p:cNvPr id="6" name="Content Placeholder 5"/>
+          <p:cNvPr id="16" name="Picture 2" descr="C:\Users\QUYHKSE61160\Desktop\Screenshot_2015-11-21-15-21-32.jpg"/>
           <p:cNvPicPr>
-            <a:picLocks noGrp="1" noChangeAspect="1"/>
+            <a:picLocks noChangeAspect="1" noChangeArrowheads="1"/>
           </p:cNvPicPr>
-          <p:nvPr>
-            <p:ph idx="1"/>
-          </p:nvPr>
+          <p:nvPr/>
         </p:nvPicPr>
-        <p:blipFill>
+        <p:blipFill rotWithShape="1">
           <a:blip r:embed="rId2" cstate="print">
             <a:extLst>
               <a:ext uri="{28A0092B-C50C-407E-A947-70E740481C1C}">
@@ -3511,21 +4274,278 @@
               </a:ext>
             </a:extLst>
           </a:blip>
-          <a:stretch>
-            <a:fillRect/>
-          </a:stretch>
+          <a:srcRect t="14088"/>
+          <a:stretch/>
         </p:blipFill>
+        <p:spPr bwMode="auto">
+          <a:xfrm>
+            <a:off x="5257800" y="3306227"/>
+            <a:ext cx="2133600" cy="3258690"/>
+          </a:xfrm>
+          <a:prstGeom prst="rect">
+            <a:avLst/>
+          </a:prstGeom>
+          <a:noFill/>
+          <a:extLst>
+            <a:ext uri="{909E8E84-426E-40DD-AFC4-6F175D3DCCD1}">
+              <a14:hiddenFill xmlns:a14="http://schemas.microsoft.com/office/drawing/2010/main">
+                <a:solidFill>
+                  <a:srgbClr val="FFFFFF"/>
+                </a:solidFill>
+              </a14:hiddenFill>
+            </a:ext>
+          </a:extLst>
+        </p:spPr>
+      </p:pic>
+      <p:cxnSp>
+        <p:nvCxnSpPr>
+          <p:cNvPr id="19" name="Straight Arrow Connector 18"/>
+          <p:cNvCxnSpPr>
+            <a:stCxn id="14" idx="3"/>
+          </p:cNvCxnSpPr>
+          <p:nvPr/>
+        </p:nvCxnSpPr>
         <p:spPr>
           <a:xfrm>
-            <a:off x="2309018" y="1600200"/>
-            <a:ext cx="4525963" cy="4525963"/>
-          </a:xfrm>
+            <a:off x="2895602" y="2005166"/>
+            <a:ext cx="2521800" cy="3296568"/>
+          </a:xfrm>
+          <a:prstGeom prst="straightConnector1">
+            <a:avLst/>
+          </a:prstGeom>
+          <a:ln>
+            <a:tailEnd type="arrow"/>
+          </a:ln>
         </p:spPr>
-      </p:pic>
+        <p:style>
+          <a:lnRef idx="2">
+            <a:schemeClr val="accent4"/>
+          </a:lnRef>
+          <a:fillRef idx="0">
+            <a:schemeClr val="accent4"/>
+          </a:fillRef>
+          <a:effectRef idx="1">
+            <a:schemeClr val="accent4"/>
+          </a:effectRef>
+          <a:fontRef idx="minor">
+            <a:schemeClr val="tx1"/>
+          </a:fontRef>
+        </p:style>
+      </p:cxnSp>
+      <p:cxnSp>
+        <p:nvCxnSpPr>
+          <p:cNvPr id="23" name="Straight Arrow Connector 22"/>
+          <p:cNvCxnSpPr>
+            <a:stCxn id="8" idx="3"/>
+          </p:cNvCxnSpPr>
+          <p:nvPr/>
+        </p:nvCxnSpPr>
+        <p:spPr>
+          <a:xfrm flipV="1">
+            <a:off x="2895603" y="3669630"/>
+            <a:ext cx="3067898" cy="639822"/>
+          </a:xfrm>
+          <a:prstGeom prst="straightConnector1">
+            <a:avLst/>
+          </a:prstGeom>
+          <a:ln>
+            <a:tailEnd type="arrow"/>
+          </a:ln>
+        </p:spPr>
+        <p:style>
+          <a:lnRef idx="2">
+            <a:schemeClr val="accent4"/>
+          </a:lnRef>
+          <a:fillRef idx="0">
+            <a:schemeClr val="accent4"/>
+          </a:fillRef>
+          <a:effectRef idx="1">
+            <a:schemeClr val="accent4"/>
+          </a:effectRef>
+          <a:fontRef idx="minor">
+            <a:schemeClr val="tx1"/>
+          </a:fontRef>
+        </p:style>
+      </p:cxnSp>
+      <p:cxnSp>
+        <p:nvCxnSpPr>
+          <p:cNvPr id="27" name="Straight Connector 26"/>
+          <p:cNvCxnSpPr>
+            <a:stCxn id="14" idx="2"/>
+            <a:endCxn id="9" idx="0"/>
+          </p:cNvCxnSpPr>
+          <p:nvPr/>
+        </p:nvCxnSpPr>
+        <p:spPr>
+          <a:xfrm>
+            <a:off x="1828802" y="2590799"/>
+            <a:ext cx="1" cy="1078831"/>
+          </a:xfrm>
+          <a:prstGeom prst="line">
+            <a:avLst/>
+          </a:prstGeom>
+        </p:spPr>
+        <p:style>
+          <a:lnRef idx="3">
+            <a:schemeClr val="accent2"/>
+          </a:lnRef>
+          <a:fillRef idx="0">
+            <a:schemeClr val="accent2"/>
+          </a:fillRef>
+          <a:effectRef idx="2">
+            <a:schemeClr val="accent2"/>
+          </a:effectRef>
+          <a:fontRef idx="minor">
+            <a:schemeClr val="tx1"/>
+          </a:fontRef>
+        </p:style>
+      </p:cxnSp>
+      <p:sp>
+        <p:nvSpPr>
+          <p:cNvPr id="28" name="TextBox 27"/>
+          <p:cNvSpPr txBox="1"/>
+          <p:nvPr/>
+        </p:nvSpPr>
+        <p:spPr>
+          <a:xfrm>
+            <a:off x="1255220" y="3185136"/>
+            <a:ext cx="532518" cy="369332"/>
+          </a:xfrm>
+          <a:prstGeom prst="rect">
+            <a:avLst/>
+          </a:prstGeom>
+          <a:noFill/>
+        </p:spPr>
+        <p:txBody>
+          <a:bodyPr wrap="none" rtlCol="0">
+            <a:spAutoFit/>
+          </a:bodyPr>
+          <a:lstStyle/>
+          <a:p>
+            <a:r>
+              <a:rPr lang="en-US" dirty="0" smtClean="0">
+                <a:solidFill>
+                  <a:srgbClr val="FF0000"/>
+                </a:solidFill>
+              </a:rPr>
+              <a:t>0..*</a:t>
+            </a:r>
+            <a:endParaRPr lang="vi-VN" dirty="0">
+              <a:solidFill>
+                <a:srgbClr val="FF0000"/>
+              </a:solidFill>
+            </a:endParaRPr>
+          </a:p>
+        </p:txBody>
+      </p:sp>
+      <p:sp>
+        <p:nvSpPr>
+          <p:cNvPr id="29" name="TextBox 28"/>
+          <p:cNvSpPr txBox="1"/>
+          <p:nvPr/>
+        </p:nvSpPr>
+        <p:spPr>
+          <a:xfrm>
+            <a:off x="1370636" y="2702174"/>
+            <a:ext cx="301686" cy="369332"/>
+          </a:xfrm>
+          <a:prstGeom prst="rect">
+            <a:avLst/>
+          </a:prstGeom>
+          <a:noFill/>
+        </p:spPr>
+        <p:txBody>
+          <a:bodyPr wrap="none" rtlCol="0">
+            <a:spAutoFit/>
+          </a:bodyPr>
+          <a:lstStyle/>
+          <a:p>
+            <a:r>
+              <a:rPr lang="en-US" dirty="0" smtClean="0">
+                <a:solidFill>
+                  <a:srgbClr val="FF0000"/>
+                </a:solidFill>
+              </a:rPr>
+              <a:t>1</a:t>
+            </a:r>
+            <a:endParaRPr lang="vi-VN" dirty="0">
+              <a:solidFill>
+                <a:srgbClr val="FF0000"/>
+              </a:solidFill>
+            </a:endParaRPr>
+          </a:p>
+        </p:txBody>
+      </p:sp>
+      <p:sp>
+        <p:nvSpPr>
+          <p:cNvPr id="22" name="TextBox 21"/>
+          <p:cNvSpPr txBox="1"/>
+          <p:nvPr/>
+        </p:nvSpPr>
+        <p:spPr>
+          <a:xfrm>
+            <a:off x="4572000" y="874700"/>
+            <a:ext cx="2236510" cy="923330"/>
+          </a:xfrm>
+          <a:prstGeom prst="rect">
+            <a:avLst/>
+          </a:prstGeom>
+          <a:noFill/>
+        </p:spPr>
+        <p:txBody>
+          <a:bodyPr wrap="none" rtlCol="0">
+            <a:spAutoFit/>
+          </a:bodyPr>
+          <a:lstStyle/>
+          <a:p>
+            <a:r>
+              <a:rPr lang="vi-VN" dirty="0" smtClean="0">
+                <a:solidFill>
+                  <a:srgbClr val="00B050"/>
+                </a:solidFill>
+              </a:rPr>
+              <a:t>NumberOfStep:</a:t>
+            </a:r>
+            <a:r>
+              <a:rPr lang="vi-VN" dirty="0" smtClean="0"/>
+              <a:t> 445</a:t>
+            </a:r>
+          </a:p>
+          <a:p>
+            <a:r>
+              <a:rPr lang="vi-VN" dirty="0" smtClean="0">
+                <a:solidFill>
+                  <a:srgbClr val="00B0F0"/>
+                </a:solidFill>
+              </a:rPr>
+              <a:t>Calories: </a:t>
+            </a:r>
+            <a:r>
+              <a:rPr lang="vi-VN" dirty="0" smtClean="0"/>
+              <a:t>?</a:t>
+            </a:r>
+          </a:p>
+          <a:p>
+            <a:r>
+              <a:rPr lang="vi-VN" dirty="0" smtClean="0">
+                <a:solidFill>
+                  <a:srgbClr val="00B0F0"/>
+                </a:solidFill>
+              </a:rPr>
+              <a:t>Distance: </a:t>
+            </a:r>
+            <a:r>
+              <a:rPr lang="vi-VN" dirty="0" smtClean="0"/>
+              <a:t>?</a:t>
+            </a:r>
+            <a:endParaRPr lang="vi-VN" dirty="0"/>
+          </a:p>
+        </p:txBody>
+      </p:sp>
     </p:spTree>
     <p:extLst>
       <p:ext uri="{BB962C8B-B14F-4D97-AF65-F5344CB8AC3E}">
-        <p14:creationId xmlns:p14="http://schemas.microsoft.com/office/powerpoint/2010/main" val="414130330"/>
+        <p14:creationId xmlns:p14="http://schemas.microsoft.com/office/powerpoint/2010/main" val="1573463837"/>
       </p:ext>
     </p:extLst>
   </p:cSld>
@@ -3559,58 +4579,677 @@
           <a:chExt cx="0" cy="0"/>
         </a:xfrm>
       </p:grpSpPr>
-      <p:sp>
-        <p:nvSpPr>
-          <p:cNvPr id="2" name="Title 1"/>
-          <p:cNvSpPr>
-            <a:spLocks noGrp="1"/>
-          </p:cNvSpPr>
-          <p:nvPr>
-            <p:ph type="title"/>
-          </p:nvPr>
-        </p:nvSpPr>
-        <p:spPr/>
-        <p:txBody>
-          <a:bodyPr/>
-          <a:lstStyle/>
-          <a:p>
-            <a:endParaRPr lang="vi-VN"/>
-          </a:p>
-        </p:txBody>
-      </p:sp>
-      <p:pic>
-        <p:nvPicPr>
-          <p:cNvPr id="6" name="Content Placeholder 5"/>
-          <p:cNvPicPr>
-            <a:picLocks noGrp="1" noChangeAspect="1"/>
-          </p:cNvPicPr>
-          <p:nvPr>
-            <p:ph idx="1"/>
-          </p:nvPr>
-        </p:nvPicPr>
-        <p:blipFill>
-          <a:blip r:embed="rId2" cstate="print">
-            <a:extLst>
-              <a:ext uri="{28A0092B-C50C-407E-A947-70E740481C1C}">
-                <a14:useLocalDpi xmlns:a14="http://schemas.microsoft.com/office/drawing/2010/main" val="0"/>
-              </a:ext>
-            </a:extLst>
-          </a:blip>
-          <a:stretch>
-            <a:fillRect/>
-          </a:stretch>
-        </p:blipFill>
+      <p:grpSp>
+        <p:nvGrpSpPr>
+          <p:cNvPr id="22" name="Shape 688"/>
+          <p:cNvGrpSpPr/>
+          <p:nvPr/>
+        </p:nvGrpSpPr>
+        <p:grpSpPr>
+          <a:xfrm>
+            <a:off x="644102" y="5339668"/>
+            <a:ext cx="2483700" cy="908899"/>
+            <a:chOff x="4336150" y="2394850"/>
+            <a:chExt cx="1814399" cy="1331686"/>
+          </a:xfrm>
+        </p:grpSpPr>
+        <p:sp>
+          <p:nvSpPr>
+            <p:cNvPr id="23" name="Shape 689"/>
+            <p:cNvSpPr/>
+            <p:nvPr/>
+          </p:nvSpPr>
+          <p:spPr>
+            <a:xfrm>
+              <a:off x="4336150" y="2708975"/>
+              <a:ext cx="1814399" cy="1017561"/>
+            </a:xfrm>
+            <a:prstGeom prst="rect">
+              <a:avLst/>
+            </a:prstGeom>
+            <a:solidFill>
+              <a:schemeClr val="lt2"/>
+            </a:solidFill>
+            <a:ln w="19050" cap="flat" cmpd="sng">
+              <a:solidFill>
+                <a:schemeClr val="dk2"/>
+              </a:solidFill>
+              <a:prstDash val="solid"/>
+              <a:round/>
+              <a:headEnd type="none" w="med" len="med"/>
+              <a:tailEnd type="none" w="med" len="med"/>
+            </a:ln>
+          </p:spPr>
+          <p:txBody>
+            <a:bodyPr lIns="91425" tIns="91425" rIns="91425" bIns="91425" anchor="t" anchorCtr="0">
+              <a:noAutofit/>
+            </a:bodyPr>
+            <a:lstStyle/>
+            <a:p>
+              <a:pPr lvl="0" rtl="0">
+                <a:spcBef>
+                  <a:spcPts val="0"/>
+                </a:spcBef>
+                <a:buNone/>
+              </a:pPr>
+              <a:r>
+                <a:rPr lang="vi-VN" dirty="0" smtClean="0"/>
+                <a:t>Type </a:t>
+              </a:r>
+              <a:r>
+                <a:rPr lang="vi-VN" dirty="0" smtClean="0">
+                  <a:solidFill>
+                    <a:srgbClr val="00B050"/>
+                  </a:solidFill>
+                </a:rPr>
+                <a:t>3</a:t>
+              </a:r>
+              <a:endParaRPr lang="en" dirty="0">
+                <a:solidFill>
+                  <a:srgbClr val="00B050"/>
+                </a:solidFill>
+              </a:endParaRPr>
+            </a:p>
+            <a:p>
+              <a:pPr lvl="0" rtl="0">
+                <a:spcBef>
+                  <a:spcPts val="0"/>
+                </a:spcBef>
+                <a:buNone/>
+              </a:pPr>
+              <a:r>
+                <a:rPr lang="en" dirty="0"/>
+                <a:t>...</a:t>
+              </a:r>
+            </a:p>
+          </p:txBody>
+        </p:sp>
+        <p:sp>
+          <p:nvSpPr>
+            <p:cNvPr id="24" name="Shape 690"/>
+            <p:cNvSpPr/>
+            <p:nvPr/>
+          </p:nvSpPr>
+          <p:spPr>
+            <a:xfrm>
+              <a:off x="4336150" y="2394850"/>
+              <a:ext cx="1814399" cy="362999"/>
+            </a:xfrm>
+            <a:prstGeom prst="rect">
+              <a:avLst/>
+            </a:prstGeom>
+            <a:solidFill>
+              <a:schemeClr val="lt2"/>
+            </a:solidFill>
+            <a:ln w="19050" cap="flat" cmpd="sng">
+              <a:solidFill>
+                <a:schemeClr val="dk2"/>
+              </a:solidFill>
+              <a:prstDash val="solid"/>
+              <a:round/>
+              <a:headEnd type="none" w="med" len="med"/>
+              <a:tailEnd type="none" w="med" len="med"/>
+            </a:ln>
+          </p:spPr>
+          <p:txBody>
+            <a:bodyPr lIns="91425" tIns="91425" rIns="91425" bIns="91425" anchor="ctr" anchorCtr="0">
+              <a:noAutofit/>
+            </a:bodyPr>
+            <a:lstStyle/>
+            <a:p>
+              <a:pPr lvl="0" rtl="0">
+                <a:spcBef>
+                  <a:spcPts val="0"/>
+                </a:spcBef>
+                <a:buNone/>
+              </a:pPr>
+              <a:r>
+                <a:rPr lang="en" b="1" dirty="0" smtClean="0"/>
+                <a:t>MedicalRecordData</a:t>
+              </a:r>
+              <a:endParaRPr lang="en" b="1" dirty="0"/>
+            </a:p>
+          </p:txBody>
+        </p:sp>
+      </p:grpSp>
+      <p:grpSp>
+        <p:nvGrpSpPr>
+          <p:cNvPr id="25" name="Shape 688"/>
+          <p:cNvGrpSpPr/>
+          <p:nvPr/>
+        </p:nvGrpSpPr>
+        <p:grpSpPr>
+          <a:xfrm>
+            <a:off x="819152" y="1573775"/>
+            <a:ext cx="2133600" cy="1410959"/>
+            <a:chOff x="4342274" y="2394850"/>
+            <a:chExt cx="1814399" cy="989424"/>
+          </a:xfrm>
+        </p:grpSpPr>
+        <p:sp>
+          <p:nvSpPr>
+            <p:cNvPr id="26" name="Shape 689"/>
+            <p:cNvSpPr/>
+            <p:nvPr/>
+          </p:nvSpPr>
+          <p:spPr>
+            <a:xfrm>
+              <a:off x="4342274" y="2708975"/>
+              <a:ext cx="1814399" cy="675299"/>
+            </a:xfrm>
+            <a:prstGeom prst="rect">
+              <a:avLst/>
+            </a:prstGeom>
+            <a:solidFill>
+              <a:schemeClr val="lt2"/>
+            </a:solidFill>
+            <a:ln w="19050" cap="flat" cmpd="sng">
+              <a:solidFill>
+                <a:schemeClr val="dk2"/>
+              </a:solidFill>
+              <a:prstDash val="solid"/>
+              <a:round/>
+              <a:headEnd type="none" w="med" len="med"/>
+              <a:tailEnd type="none" w="med" len="med"/>
+            </a:ln>
+          </p:spPr>
+          <p:txBody>
+            <a:bodyPr lIns="91425" tIns="91425" rIns="91425" bIns="91425" anchor="t" anchorCtr="0">
+              <a:noAutofit/>
+            </a:bodyPr>
+            <a:lstStyle/>
+            <a:p>
+              <a:pPr lvl="0" rtl="0">
+                <a:spcBef>
+                  <a:spcPts val="0"/>
+                </a:spcBef>
+                <a:buNone/>
+              </a:pPr>
+              <a:r>
+                <a:rPr lang="vi-VN" dirty="0" smtClean="0">
+                  <a:solidFill>
+                    <a:srgbClr val="00B050"/>
+                  </a:solidFill>
+                </a:rPr>
+                <a:t>Calories</a:t>
+              </a:r>
+            </a:p>
+            <a:p>
+              <a:pPr lvl="0" rtl="0">
+                <a:spcBef>
+                  <a:spcPts val="0"/>
+                </a:spcBef>
+                <a:buNone/>
+              </a:pPr>
+              <a:r>
+                <a:rPr lang="vi-VN" dirty="0" smtClean="0">
+                  <a:solidFill>
+                    <a:srgbClr val="00B050"/>
+                  </a:solidFill>
+                </a:rPr>
+                <a:t>Distance</a:t>
+              </a:r>
+            </a:p>
+            <a:p>
+              <a:pPr lvl="0" rtl="0">
+                <a:spcBef>
+                  <a:spcPts val="0"/>
+                </a:spcBef>
+                <a:buNone/>
+              </a:pPr>
+              <a:r>
+                <a:rPr lang="vi-VN" dirty="0" smtClean="0">
+                  <a:solidFill>
+                    <a:srgbClr val="00B050"/>
+                  </a:solidFill>
+                </a:rPr>
+                <a:t>NumberOfStep</a:t>
+              </a:r>
+            </a:p>
+          </p:txBody>
+        </p:sp>
+        <p:sp>
+          <p:nvSpPr>
+            <p:cNvPr id="27" name="Shape 690"/>
+            <p:cNvSpPr/>
+            <p:nvPr/>
+          </p:nvSpPr>
+          <p:spPr>
+            <a:xfrm>
+              <a:off x="4342274" y="2394850"/>
+              <a:ext cx="1814399" cy="362999"/>
+            </a:xfrm>
+            <a:prstGeom prst="rect">
+              <a:avLst/>
+            </a:prstGeom>
+            <a:solidFill>
+              <a:schemeClr val="lt2"/>
+            </a:solidFill>
+            <a:ln w="19050" cap="flat" cmpd="sng">
+              <a:solidFill>
+                <a:schemeClr val="dk2"/>
+              </a:solidFill>
+              <a:prstDash val="solid"/>
+              <a:round/>
+              <a:headEnd type="none" w="med" len="med"/>
+              <a:tailEnd type="none" w="med" len="med"/>
+            </a:ln>
+          </p:spPr>
+          <p:txBody>
+            <a:bodyPr lIns="91425" tIns="91425" rIns="91425" bIns="91425" anchor="ctr" anchorCtr="0">
+              <a:noAutofit/>
+            </a:bodyPr>
+            <a:lstStyle/>
+            <a:p>
+              <a:pPr lvl="0" rtl="0">
+                <a:spcBef>
+                  <a:spcPts val="0"/>
+                </a:spcBef>
+                <a:buNone/>
+              </a:pPr>
+              <a:r>
+                <a:rPr lang="en" b="1" dirty="0" smtClean="0"/>
+                <a:t>PropertyRecord</a:t>
+              </a:r>
+              <a:endParaRPr lang="en" b="1" dirty="0"/>
+            </a:p>
+          </p:txBody>
+        </p:sp>
+      </p:grpSp>
+      <p:sp>
+        <p:nvSpPr>
+          <p:cNvPr id="28" name="TextBox 27"/>
+          <p:cNvSpPr txBox="1"/>
+          <p:nvPr/>
+        </p:nvSpPr>
         <p:spPr>
           <a:xfrm>
-            <a:off x="2309018" y="1600200"/>
-            <a:ext cx="4525963" cy="4525963"/>
-          </a:xfrm>
+            <a:off x="1387234" y="4970336"/>
+            <a:ext cx="301686" cy="369332"/>
+          </a:xfrm>
+          <a:prstGeom prst="rect">
+            <a:avLst/>
+          </a:prstGeom>
+          <a:noFill/>
         </p:spPr>
-      </p:pic>
+        <p:txBody>
+          <a:bodyPr wrap="none" rtlCol="0">
+            <a:spAutoFit/>
+          </a:bodyPr>
+          <a:lstStyle/>
+          <a:p>
+            <a:r>
+              <a:rPr lang="en-US" dirty="0" smtClean="0">
+                <a:solidFill>
+                  <a:srgbClr val="FF0000"/>
+                </a:solidFill>
+              </a:rPr>
+              <a:t>1</a:t>
+            </a:r>
+            <a:endParaRPr lang="vi-VN" dirty="0">
+              <a:solidFill>
+                <a:srgbClr val="FF0000"/>
+              </a:solidFill>
+            </a:endParaRPr>
+          </a:p>
+        </p:txBody>
+      </p:sp>
+      <p:sp>
+        <p:nvSpPr>
+          <p:cNvPr id="29" name="TextBox 28"/>
+          <p:cNvSpPr txBox="1"/>
+          <p:nvPr/>
+        </p:nvSpPr>
+        <p:spPr>
+          <a:xfrm>
+            <a:off x="1208378" y="3164762"/>
+            <a:ext cx="532518" cy="369332"/>
+          </a:xfrm>
+          <a:prstGeom prst="rect">
+            <a:avLst/>
+          </a:prstGeom>
+          <a:noFill/>
+        </p:spPr>
+        <p:txBody>
+          <a:bodyPr wrap="none" rtlCol="0">
+            <a:spAutoFit/>
+          </a:bodyPr>
+          <a:lstStyle/>
+          <a:p>
+            <a:r>
+              <a:rPr lang="en-US" dirty="0" smtClean="0">
+                <a:solidFill>
+                  <a:srgbClr val="FF0000"/>
+                </a:solidFill>
+              </a:rPr>
+              <a:t>1..*</a:t>
+            </a:r>
+            <a:endParaRPr lang="vi-VN" dirty="0">
+              <a:solidFill>
+                <a:srgbClr val="FF0000"/>
+              </a:solidFill>
+            </a:endParaRPr>
+          </a:p>
+        </p:txBody>
+      </p:sp>
+      <p:cxnSp>
+        <p:nvCxnSpPr>
+          <p:cNvPr id="30" name="Straight Connector 29"/>
+          <p:cNvCxnSpPr>
+            <a:stCxn id="26" idx="2"/>
+            <a:endCxn id="24" idx="0"/>
+          </p:cNvCxnSpPr>
+          <p:nvPr/>
+        </p:nvCxnSpPr>
+        <p:spPr>
+          <a:xfrm>
+            <a:off x="1885952" y="2984734"/>
+            <a:ext cx="0" cy="2354934"/>
+          </a:xfrm>
+          <a:prstGeom prst="line">
+            <a:avLst/>
+          </a:prstGeom>
+        </p:spPr>
+        <p:style>
+          <a:lnRef idx="3">
+            <a:schemeClr val="accent2"/>
+          </a:lnRef>
+          <a:fillRef idx="0">
+            <a:schemeClr val="accent2"/>
+          </a:fillRef>
+          <a:effectRef idx="2">
+            <a:schemeClr val="accent2"/>
+          </a:effectRef>
+          <a:fontRef idx="minor">
+            <a:schemeClr val="tx1"/>
+          </a:fontRef>
+        </p:style>
+      </p:cxnSp>
+      <p:cxnSp>
+        <p:nvCxnSpPr>
+          <p:cNvPr id="36" name="Straight Arrow Connector 35"/>
+          <p:cNvCxnSpPr/>
+          <p:nvPr/>
+        </p:nvCxnSpPr>
+        <p:spPr>
+          <a:xfrm flipV="1">
+            <a:off x="2286000" y="1986868"/>
+            <a:ext cx="1155700" cy="292388"/>
+          </a:xfrm>
+          <a:prstGeom prst="straightConnector1">
+            <a:avLst/>
+          </a:prstGeom>
+          <a:ln>
+            <a:tailEnd type="arrow"/>
+          </a:ln>
+        </p:spPr>
+        <p:style>
+          <a:lnRef idx="2">
+            <a:schemeClr val="accent4"/>
+          </a:lnRef>
+          <a:fillRef idx="0">
+            <a:schemeClr val="accent4"/>
+          </a:fillRef>
+          <a:effectRef idx="1">
+            <a:schemeClr val="accent4"/>
+          </a:effectRef>
+          <a:fontRef idx="minor">
+            <a:schemeClr val="tx1"/>
+          </a:fontRef>
+        </p:style>
+      </p:cxnSp>
+      <p:sp>
+        <p:nvSpPr>
+          <p:cNvPr id="40" name="Rectangle 39"/>
+          <p:cNvSpPr/>
+          <p:nvPr/>
+        </p:nvSpPr>
+        <p:spPr>
+          <a:xfrm>
+            <a:off x="3441700" y="1617536"/>
+            <a:ext cx="5569800" cy="1323439"/>
+          </a:xfrm>
+          <a:prstGeom prst="rect">
+            <a:avLst/>
+          </a:prstGeom>
+        </p:spPr>
+        <p:txBody>
+          <a:bodyPr wrap="square">
+            <a:spAutoFit/>
+          </a:bodyPr>
+          <a:lstStyle/>
+          <a:p>
+            <a:r>
+              <a:rPr lang="vi-VN" sz="1600" dirty="0" smtClean="0"/>
+              <a:t>Distance: z </a:t>
+            </a:r>
+            <a:r>
+              <a:rPr lang="vi-VN" sz="1600" dirty="0"/>
+              <a:t>* x * 0.414 / 100000</a:t>
+            </a:r>
+          </a:p>
+          <a:p>
+            <a:r>
+              <a:rPr lang="vi-VN" sz="1600" dirty="0" smtClean="0"/>
+              <a:t>Calories: y </a:t>
+            </a:r>
+            <a:r>
+              <a:rPr lang="vi-VN" sz="1600" dirty="0"/>
+              <a:t>/ 0.4536 * 0.53 * 1.609 * z * x * 0.414 / 100000</a:t>
+            </a:r>
+          </a:p>
+          <a:p>
+            <a:r>
+              <a:rPr lang="vi-VN" sz="1600" dirty="0"/>
+              <a:t>z,2,NumberOfStep</a:t>
+            </a:r>
+          </a:p>
+          <a:p>
+            <a:r>
+              <a:rPr lang="vi-VN" sz="1600" dirty="0"/>
+              <a:t>x,1,Height</a:t>
+            </a:r>
+          </a:p>
+          <a:p>
+            <a:r>
+              <a:rPr lang="vi-VN" sz="1600" dirty="0"/>
+              <a:t>y,1,Weight</a:t>
+            </a:r>
+          </a:p>
+        </p:txBody>
+      </p:sp>
+      <p:cxnSp>
+        <p:nvCxnSpPr>
+          <p:cNvPr id="47" name="Straight Arrow Connector 46"/>
+          <p:cNvCxnSpPr>
+            <a:endCxn id="40" idx="1"/>
+          </p:cNvCxnSpPr>
+          <p:nvPr/>
+        </p:nvCxnSpPr>
+        <p:spPr>
+          <a:xfrm flipV="1">
+            <a:off x="2667000" y="2279256"/>
+            <a:ext cx="774700" cy="540144"/>
+          </a:xfrm>
+          <a:prstGeom prst="straightConnector1">
+            <a:avLst/>
+          </a:prstGeom>
+          <a:ln>
+            <a:tailEnd type="arrow"/>
+          </a:ln>
+        </p:spPr>
+        <p:style>
+          <a:lnRef idx="2">
+            <a:schemeClr val="accent5"/>
+          </a:lnRef>
+          <a:fillRef idx="0">
+            <a:schemeClr val="accent5"/>
+          </a:fillRef>
+          <a:effectRef idx="1">
+            <a:schemeClr val="accent5"/>
+          </a:effectRef>
+          <a:fontRef idx="minor">
+            <a:schemeClr val="tx1"/>
+          </a:fontRef>
+        </p:style>
+      </p:cxnSp>
+      <p:grpSp>
+        <p:nvGrpSpPr>
+          <p:cNvPr id="48" name="Shape 688"/>
+          <p:cNvGrpSpPr/>
+          <p:nvPr/>
+        </p:nvGrpSpPr>
+        <p:grpSpPr>
+          <a:xfrm>
+            <a:off x="4419600" y="4953000"/>
+            <a:ext cx="2133600" cy="1410959"/>
+            <a:chOff x="4342274" y="2394850"/>
+            <a:chExt cx="1814399" cy="989424"/>
+          </a:xfrm>
+        </p:grpSpPr>
+        <p:sp>
+          <p:nvSpPr>
+            <p:cNvPr id="49" name="Shape 689"/>
+            <p:cNvSpPr/>
+            <p:nvPr/>
+          </p:nvSpPr>
+          <p:spPr>
+            <a:xfrm>
+              <a:off x="4342274" y="2708975"/>
+              <a:ext cx="1814399" cy="675299"/>
+            </a:xfrm>
+            <a:prstGeom prst="rect">
+              <a:avLst/>
+            </a:prstGeom>
+            <a:solidFill>
+              <a:schemeClr val="lt2"/>
+            </a:solidFill>
+            <a:ln w="19050" cap="flat" cmpd="sng">
+              <a:solidFill>
+                <a:schemeClr val="dk2"/>
+              </a:solidFill>
+              <a:prstDash val="solid"/>
+              <a:round/>
+              <a:headEnd type="none" w="med" len="med"/>
+              <a:tailEnd type="none" w="med" len="med"/>
+            </a:ln>
+          </p:spPr>
+          <p:txBody>
+            <a:bodyPr lIns="91425" tIns="91425" rIns="91425" bIns="91425" anchor="t" anchorCtr="0">
+              <a:noAutofit/>
+            </a:bodyPr>
+            <a:lstStyle/>
+            <a:p>
+              <a:pPr lvl="0" rtl="0">
+                <a:spcBef>
+                  <a:spcPts val="0"/>
+                </a:spcBef>
+                <a:buNone/>
+              </a:pPr>
+              <a:r>
+                <a:rPr lang="vi-VN" dirty="0" smtClean="0"/>
+                <a:t>Height</a:t>
+              </a:r>
+            </a:p>
+            <a:p>
+              <a:pPr lvl="0" rtl="0">
+                <a:spcBef>
+                  <a:spcPts val="0"/>
+                </a:spcBef>
+                <a:buNone/>
+              </a:pPr>
+              <a:r>
+                <a:rPr lang="vi-VN" dirty="0" smtClean="0"/>
+                <a:t>Weight</a:t>
+              </a:r>
+            </a:p>
+          </p:txBody>
+        </p:sp>
+        <p:sp>
+          <p:nvSpPr>
+            <p:cNvPr id="50" name="Shape 690"/>
+            <p:cNvSpPr/>
+            <p:nvPr/>
+          </p:nvSpPr>
+          <p:spPr>
+            <a:xfrm>
+              <a:off x="4342274" y="2394850"/>
+              <a:ext cx="1814399" cy="362999"/>
+            </a:xfrm>
+            <a:prstGeom prst="rect">
+              <a:avLst/>
+            </a:prstGeom>
+            <a:solidFill>
+              <a:schemeClr val="lt2"/>
+            </a:solidFill>
+            <a:ln w="19050" cap="flat" cmpd="sng">
+              <a:solidFill>
+                <a:schemeClr val="dk2"/>
+              </a:solidFill>
+              <a:prstDash val="solid"/>
+              <a:round/>
+              <a:headEnd type="none" w="med" len="med"/>
+              <a:tailEnd type="none" w="med" len="med"/>
+            </a:ln>
+          </p:spPr>
+          <p:txBody>
+            <a:bodyPr lIns="91425" tIns="91425" rIns="91425" bIns="91425" anchor="ctr" anchorCtr="0">
+              <a:noAutofit/>
+            </a:bodyPr>
+            <a:lstStyle/>
+            <a:p>
+              <a:pPr lvl="0" rtl="0">
+                <a:spcBef>
+                  <a:spcPts val="0"/>
+                </a:spcBef>
+                <a:buNone/>
+              </a:pPr>
+              <a:r>
+                <a:rPr lang="vi-VN" b="1" dirty="0" smtClean="0"/>
+                <a:t>PreventionCheck</a:t>
+              </a:r>
+              <a:endParaRPr lang="en" b="1" dirty="0"/>
+            </a:p>
+          </p:txBody>
+        </p:sp>
+      </p:grpSp>
+      <p:cxnSp>
+        <p:nvCxnSpPr>
+          <p:cNvPr id="52" name="Straight Arrow Connector 51"/>
+          <p:cNvCxnSpPr/>
+          <p:nvPr/>
+        </p:nvCxnSpPr>
+        <p:spPr>
+          <a:xfrm flipH="1" flipV="1">
+            <a:off x="4038600" y="2940975"/>
+            <a:ext cx="381000" cy="2697825"/>
+          </a:xfrm>
+          <a:prstGeom prst="straightConnector1">
+            <a:avLst/>
+          </a:prstGeom>
+          <a:ln>
+            <a:tailEnd type="arrow"/>
+          </a:ln>
+        </p:spPr>
+        <p:style>
+          <a:lnRef idx="2">
+            <a:schemeClr val="accent3"/>
+          </a:lnRef>
+          <a:fillRef idx="0">
+            <a:schemeClr val="accent3"/>
+          </a:fillRef>
+          <a:effectRef idx="1">
+            <a:schemeClr val="accent3"/>
+          </a:effectRef>
+          <a:fontRef idx="minor">
+            <a:schemeClr val="tx1"/>
+          </a:fontRef>
+        </p:style>
+      </p:cxnSp>
     </p:spTree>
     <p:extLst>
       <p:ext uri="{BB962C8B-B14F-4D97-AF65-F5344CB8AC3E}">
-        <p14:creationId xmlns:p14="http://schemas.microsoft.com/office/powerpoint/2010/main" val="1512677197"/>
+        <p14:creationId xmlns:p14="http://schemas.microsoft.com/office/powerpoint/2010/main" val="567174985"/>
       </p:ext>
     </p:extLst>
   </p:cSld>
@@ -3624,424 +5263,6 @@
       </p:par>
     </p:tnLst>
   </p:timing>
-</p:sld>
-</file>
-
-<file path=ppt/slides/slide5.xml><?xml version="1.0" encoding="utf-8"?>
-<p:sld xmlns:a="http://schemas.openxmlformats.org/drawingml/2006/main" xmlns:r="http://schemas.openxmlformats.org/officeDocument/2006/relationships" xmlns:p="http://schemas.openxmlformats.org/presentationml/2006/main">
-  <p:cSld>
-    <p:spTree>
-      <p:nvGrpSpPr>
-        <p:cNvPr id="1" name=""/>
-        <p:cNvGrpSpPr/>
-        <p:nvPr/>
-      </p:nvGrpSpPr>
-      <p:grpSpPr>
-        <a:xfrm>
-          <a:off x="0" y="0"/>
-          <a:ext cx="0" cy="0"/>
-          <a:chOff x="0" y="0"/>
-          <a:chExt cx="0" cy="0"/>
-        </a:xfrm>
-      </p:grpSpPr>
-      <p:sp>
-        <p:nvSpPr>
-          <p:cNvPr id="2" name="Title 1"/>
-          <p:cNvSpPr>
-            <a:spLocks noGrp="1"/>
-          </p:cNvSpPr>
-          <p:nvPr>
-            <p:ph type="title"/>
-          </p:nvPr>
-        </p:nvSpPr>
-        <p:spPr/>
-        <p:txBody>
-          <a:bodyPr/>
-          <a:lstStyle/>
-          <a:p>
-            <a:endParaRPr lang="vi-VN"/>
-          </a:p>
-        </p:txBody>
-      </p:sp>
-      <p:pic>
-        <p:nvPicPr>
-          <p:cNvPr id="6" name="Content Placeholder 5"/>
-          <p:cNvPicPr>
-            <a:picLocks noGrp="1" noChangeAspect="1"/>
-          </p:cNvPicPr>
-          <p:nvPr>
-            <p:ph idx="1"/>
-          </p:nvPr>
-        </p:nvPicPr>
-        <p:blipFill>
-          <a:blip r:embed="rId2" cstate="print">
-            <a:extLst>
-              <a:ext uri="{28A0092B-C50C-407E-A947-70E740481C1C}">
-                <a14:useLocalDpi xmlns:a14="http://schemas.microsoft.com/office/drawing/2010/main" val="0"/>
-              </a:ext>
-            </a:extLst>
-          </a:blip>
-          <a:stretch>
-            <a:fillRect/>
-          </a:stretch>
-        </p:blipFill>
-        <p:spPr>
-          <a:xfrm>
-            <a:off x="2309018" y="1600200"/>
-            <a:ext cx="4525963" cy="4525963"/>
-          </a:xfrm>
-        </p:spPr>
-      </p:pic>
-    </p:spTree>
-    <p:extLst>
-      <p:ext uri="{BB962C8B-B14F-4D97-AF65-F5344CB8AC3E}">
-        <p14:creationId xmlns:p14="http://schemas.microsoft.com/office/powerpoint/2010/main" val="626789979"/>
-      </p:ext>
-    </p:extLst>
-  </p:cSld>
-  <p:clrMapOvr>
-    <a:masterClrMapping/>
-  </p:clrMapOvr>
-  <p:timing>
-    <p:tnLst>
-      <p:par>
-        <p:cTn id="1" dur="indefinite" restart="never" nodeType="tmRoot"/>
-      </p:par>
-    </p:tnLst>
-  </p:timing>
-</p:sld>
-</file>
-
-<file path=ppt/slides/slide6.xml><?xml version="1.0" encoding="utf-8"?>
-<p:sld xmlns:a="http://schemas.openxmlformats.org/drawingml/2006/main" xmlns:r="http://schemas.openxmlformats.org/officeDocument/2006/relationships" xmlns:p="http://schemas.openxmlformats.org/presentationml/2006/main">
-  <p:cSld>
-    <p:spTree>
-      <p:nvGrpSpPr>
-        <p:cNvPr id="1" name=""/>
-        <p:cNvGrpSpPr/>
-        <p:nvPr/>
-      </p:nvGrpSpPr>
-      <p:grpSpPr>
-        <a:xfrm>
-          <a:off x="0" y="0"/>
-          <a:ext cx="0" cy="0"/>
-          <a:chOff x="0" y="0"/>
-          <a:chExt cx="0" cy="0"/>
-        </a:xfrm>
-      </p:grpSpPr>
-      <p:sp>
-        <p:nvSpPr>
-          <p:cNvPr id="2" name="Title 1"/>
-          <p:cNvSpPr>
-            <a:spLocks noGrp="1"/>
-          </p:cNvSpPr>
-          <p:nvPr>
-            <p:ph type="title"/>
-          </p:nvPr>
-        </p:nvSpPr>
-        <p:spPr/>
-        <p:txBody>
-          <a:bodyPr/>
-          <a:lstStyle/>
-          <a:p>
-            <a:endParaRPr lang="vi-VN"/>
-          </a:p>
-        </p:txBody>
-      </p:sp>
-      <p:pic>
-        <p:nvPicPr>
-          <p:cNvPr id="4" name="Content Placeholder 3"/>
-          <p:cNvPicPr>
-            <a:picLocks noGrp="1" noChangeAspect="1"/>
-          </p:cNvPicPr>
-          <p:nvPr>
-            <p:ph idx="1"/>
-          </p:nvPr>
-        </p:nvPicPr>
-        <p:blipFill>
-          <a:blip r:embed="rId2" cstate="print">
-            <a:extLst>
-              <a:ext uri="{28A0092B-C50C-407E-A947-70E740481C1C}">
-                <a14:useLocalDpi xmlns:a14="http://schemas.microsoft.com/office/drawing/2010/main" val="0"/>
-              </a:ext>
-            </a:extLst>
-          </a:blip>
-          <a:stretch>
-            <a:fillRect/>
-          </a:stretch>
-        </p:blipFill>
-        <p:spPr>
-          <a:xfrm>
-            <a:off x="2309018" y="1600200"/>
-            <a:ext cx="4525963" cy="4525963"/>
-          </a:xfrm>
-        </p:spPr>
-      </p:pic>
-    </p:spTree>
-    <p:extLst>
-      <p:ext uri="{BB962C8B-B14F-4D97-AF65-F5344CB8AC3E}">
-        <p14:creationId xmlns:p14="http://schemas.microsoft.com/office/powerpoint/2010/main" val="2120165898"/>
-      </p:ext>
-    </p:extLst>
-  </p:cSld>
-  <p:clrMapOvr>
-    <a:masterClrMapping/>
-  </p:clrMapOvr>
-  <p:timing>
-    <p:tnLst>
-      <p:par>
-        <p:cTn id="1" dur="indefinite" restart="never" nodeType="tmRoot"/>
-      </p:par>
-    </p:tnLst>
-  </p:timing>
-</p:sld>
-</file>
-
-<file path=ppt/slides/slide7.xml><?xml version="1.0" encoding="utf-8"?>
-<p:sld xmlns:a="http://schemas.openxmlformats.org/drawingml/2006/main" xmlns:r="http://schemas.openxmlformats.org/officeDocument/2006/relationships" xmlns:p="http://schemas.openxmlformats.org/presentationml/2006/main">
-  <p:cSld>
-    <p:spTree>
-      <p:nvGrpSpPr>
-        <p:cNvPr id="1" name=""/>
-        <p:cNvGrpSpPr/>
-        <p:nvPr/>
-      </p:nvGrpSpPr>
-      <p:grpSpPr>
-        <a:xfrm>
-          <a:off x="0" y="0"/>
-          <a:ext cx="0" cy="0"/>
-          <a:chOff x="0" y="0"/>
-          <a:chExt cx="0" cy="0"/>
-        </a:xfrm>
-      </p:grpSpPr>
-      <p:sp>
-        <p:nvSpPr>
-          <p:cNvPr id="2" name="Title 1"/>
-          <p:cNvSpPr>
-            <a:spLocks noGrp="1"/>
-          </p:cNvSpPr>
-          <p:nvPr>
-            <p:ph type="title"/>
-          </p:nvPr>
-        </p:nvSpPr>
-        <p:spPr/>
-        <p:txBody>
-          <a:bodyPr/>
-          <a:lstStyle/>
-          <a:p>
-            <a:endParaRPr lang="vi-VN"/>
-          </a:p>
-        </p:txBody>
-      </p:sp>
-      <p:pic>
-        <p:nvPicPr>
-          <p:cNvPr id="4" name="Content Placeholder 3"/>
-          <p:cNvPicPr>
-            <a:picLocks noGrp="1" noChangeAspect="1"/>
-          </p:cNvPicPr>
-          <p:nvPr>
-            <p:ph idx="1"/>
-          </p:nvPr>
-        </p:nvPicPr>
-        <p:blipFill>
-          <a:blip r:embed="rId2" cstate="print">
-            <a:extLst>
-              <a:ext uri="{28A0092B-C50C-407E-A947-70E740481C1C}">
-                <a14:useLocalDpi xmlns:a14="http://schemas.microsoft.com/office/drawing/2010/main" val="0"/>
-              </a:ext>
-            </a:extLst>
-          </a:blip>
-          <a:stretch>
-            <a:fillRect/>
-          </a:stretch>
-        </p:blipFill>
-        <p:spPr>
-          <a:xfrm>
-            <a:off x="2309018" y="1600200"/>
-            <a:ext cx="4525963" cy="4525963"/>
-          </a:xfrm>
-        </p:spPr>
-      </p:pic>
-    </p:spTree>
-    <p:extLst>
-      <p:ext uri="{BB962C8B-B14F-4D97-AF65-F5344CB8AC3E}">
-        <p14:creationId xmlns:p14="http://schemas.microsoft.com/office/powerpoint/2010/main" val="2326688508"/>
-      </p:ext>
-    </p:extLst>
-  </p:cSld>
-  <p:clrMapOvr>
-    <a:masterClrMapping/>
-  </p:clrMapOvr>
-  <p:timing>
-    <p:tnLst>
-      <p:par>
-        <p:cTn id="1" dur="indefinite" restart="never" nodeType="tmRoot"/>
-      </p:par>
-    </p:tnLst>
-  </p:timing>
-</p:sld>
-</file>
-
-<file path=ppt/slides/slide8.xml><?xml version="1.0" encoding="utf-8"?>
-<p:sld xmlns:a="http://schemas.openxmlformats.org/drawingml/2006/main" xmlns:r="http://schemas.openxmlformats.org/officeDocument/2006/relationships" xmlns:p="http://schemas.openxmlformats.org/presentationml/2006/main">
-  <p:cSld>
-    <p:spTree>
-      <p:nvGrpSpPr>
-        <p:cNvPr id="1" name=""/>
-        <p:cNvGrpSpPr/>
-        <p:nvPr/>
-      </p:nvGrpSpPr>
-      <p:grpSpPr>
-        <a:xfrm>
-          <a:off x="0" y="0"/>
-          <a:ext cx="0" cy="0"/>
-          <a:chOff x="0" y="0"/>
-          <a:chExt cx="0" cy="0"/>
-        </a:xfrm>
-      </p:grpSpPr>
-      <p:sp>
-        <p:nvSpPr>
-          <p:cNvPr id="2" name="Title 1"/>
-          <p:cNvSpPr>
-            <a:spLocks noGrp="1"/>
-          </p:cNvSpPr>
-          <p:nvPr>
-            <p:ph type="title"/>
-          </p:nvPr>
-        </p:nvSpPr>
-        <p:spPr/>
-        <p:txBody>
-          <a:bodyPr/>
-          <a:lstStyle/>
-          <a:p>
-            <a:endParaRPr lang="vi-VN"/>
-          </a:p>
-        </p:txBody>
-      </p:sp>
-      <p:pic>
-        <p:nvPicPr>
-          <p:cNvPr id="4" name="Content Placeholder 3"/>
-          <p:cNvPicPr>
-            <a:picLocks noGrp="1" noChangeAspect="1"/>
-          </p:cNvPicPr>
-          <p:nvPr>
-            <p:ph idx="1"/>
-          </p:nvPr>
-        </p:nvPicPr>
-        <p:blipFill>
-          <a:blip r:embed="rId2" cstate="print">
-            <a:extLst>
-              <a:ext uri="{28A0092B-C50C-407E-A947-70E740481C1C}">
-                <a14:useLocalDpi xmlns:a14="http://schemas.microsoft.com/office/drawing/2010/main" val="0"/>
-              </a:ext>
-            </a:extLst>
-          </a:blip>
-          <a:stretch>
-            <a:fillRect/>
-          </a:stretch>
-        </p:blipFill>
-        <p:spPr>
-          <a:xfrm>
-            <a:off x="2309018" y="1600200"/>
-            <a:ext cx="4525963" cy="4525963"/>
-          </a:xfrm>
-        </p:spPr>
-      </p:pic>
-    </p:spTree>
-    <p:extLst>
-      <p:ext uri="{BB962C8B-B14F-4D97-AF65-F5344CB8AC3E}">
-        <p14:creationId xmlns:p14="http://schemas.microsoft.com/office/powerpoint/2010/main" val="2840035595"/>
-      </p:ext>
-    </p:extLst>
-  </p:cSld>
-  <p:clrMapOvr>
-    <a:masterClrMapping/>
-  </p:clrMapOvr>
-  <p:timing>
-    <p:tnLst>
-      <p:par>
-        <p:cTn id="1" dur="indefinite" restart="never" nodeType="tmRoot"/>
-      </p:par>
-    </p:tnLst>
-  </p:timing>
-</p:sld>
-</file>
-
-<file path=ppt/slides/slide9.xml><?xml version="1.0" encoding="utf-8"?>
-<p:sld xmlns:a="http://schemas.openxmlformats.org/drawingml/2006/main" xmlns:r="http://schemas.openxmlformats.org/officeDocument/2006/relationships" xmlns:p="http://schemas.openxmlformats.org/presentationml/2006/main">
-  <p:cSld>
-    <p:spTree>
-      <p:nvGrpSpPr>
-        <p:cNvPr id="1" name=""/>
-        <p:cNvGrpSpPr/>
-        <p:nvPr/>
-      </p:nvGrpSpPr>
-      <p:grpSpPr>
-        <a:xfrm>
-          <a:off x="0" y="0"/>
-          <a:ext cx="0" cy="0"/>
-          <a:chOff x="0" y="0"/>
-          <a:chExt cx="0" cy="0"/>
-        </a:xfrm>
-      </p:grpSpPr>
-      <p:sp>
-        <p:nvSpPr>
-          <p:cNvPr id="2" name="Title 1"/>
-          <p:cNvSpPr>
-            <a:spLocks noGrp="1"/>
-          </p:cNvSpPr>
-          <p:nvPr>
-            <p:ph type="title"/>
-          </p:nvPr>
-        </p:nvSpPr>
-        <p:spPr/>
-        <p:txBody>
-          <a:bodyPr/>
-          <a:lstStyle/>
-          <a:p>
-            <a:endParaRPr lang="vi-VN"/>
-          </a:p>
-        </p:txBody>
-      </p:sp>
-      <p:pic>
-        <p:nvPicPr>
-          <p:cNvPr id="4" name="Content Placeholder 3"/>
-          <p:cNvPicPr>
-            <a:picLocks noGrp="1" noChangeAspect="1"/>
-          </p:cNvPicPr>
-          <p:nvPr>
-            <p:ph idx="1"/>
-          </p:nvPr>
-        </p:nvPicPr>
-        <p:blipFill>
-          <a:blip r:embed="rId2" cstate="print">
-            <a:extLst>
-              <a:ext uri="{28A0092B-C50C-407E-A947-70E740481C1C}">
-                <a14:useLocalDpi xmlns:a14="http://schemas.microsoft.com/office/drawing/2010/main" val="0"/>
-              </a:ext>
-            </a:extLst>
-          </a:blip>
-          <a:stretch>
-            <a:fillRect/>
-          </a:stretch>
-        </p:blipFill>
-        <p:spPr>
-          <a:xfrm>
-            <a:off x="2309018" y="1600200"/>
-            <a:ext cx="4525963" cy="4525963"/>
-          </a:xfrm>
-        </p:spPr>
-      </p:pic>
-    </p:spTree>
-    <p:extLst>
-      <p:ext uri="{BB962C8B-B14F-4D97-AF65-F5344CB8AC3E}">
-        <p14:creationId xmlns:p14="http://schemas.microsoft.com/office/powerpoint/2010/main" val="3573079973"/>
-      </p:ext>
-    </p:extLst>
-  </p:cSld>
-  <p:clrMapOvr>
-    <a:masterClrMapping/>
-  </p:clrMapOvr>
 </p:sld>
 </file>
 
